--- a/Documentos/F5 Facat(Final).pptx
+++ b/Documentos/F5 Facat(Final).pptx
@@ -11,6 +11,20 @@
     <p:sldId id="259" r:id="rId5"/>
     <p:sldId id="260" r:id="rId6"/>
     <p:sldId id="261" r:id="rId7"/>
+    <p:sldId id="262" r:id="rId8"/>
+    <p:sldId id="263" r:id="rId9"/>
+    <p:sldId id="264" r:id="rId10"/>
+    <p:sldId id="265" r:id="rId11"/>
+    <p:sldId id="266" r:id="rId12"/>
+    <p:sldId id="267" r:id="rId13"/>
+    <p:sldId id="268" r:id="rId14"/>
+    <p:sldId id="269" r:id="rId15"/>
+    <p:sldId id="270" r:id="rId16"/>
+    <p:sldId id="271" r:id="rId17"/>
+    <p:sldId id="273" r:id="rId18"/>
+    <p:sldId id="274" r:id="rId19"/>
+    <p:sldId id="275" r:id="rId20"/>
+    <p:sldId id="276" r:id="rId21"/>
   </p:sldIdLst>
   <p:sldSz cx="12192000" cy="6858000"/>
   <p:notesSz cx="6858000" cy="9144000"/>
@@ -109,6 +123,11 @@
       </a:defRPr>
     </a:lvl9pPr>
   </p:defaultTextStyle>
+  <p:extLst>
+    <p:ext uri="{EFAFB233-063F-42B5-8137-9DF3F51BA10A}">
+      <p15:sldGuideLst xmlns:p15="http://schemas.microsoft.com/office/powerpoint/2012/main"/>
+    </p:ext>
+  </p:extLst>
 </p:presentation>
 </file>
 
@@ -6759,6 +6778,1061 @@
 </p:sld>
 </file>
 
+<file path=ppt/slides/slide10.xml><?xml version="1.0" encoding="utf-8"?>
+<p:sld xmlns:a="http://schemas.openxmlformats.org/drawingml/2006/main" xmlns:r="http://schemas.openxmlformats.org/officeDocument/2006/relationships" xmlns:p="http://schemas.openxmlformats.org/presentationml/2006/main">
+  <p:cSld>
+    <p:spTree>
+      <p:nvGrpSpPr>
+        <p:cNvPr id="1" name=""/>
+        <p:cNvGrpSpPr/>
+        <p:nvPr/>
+      </p:nvGrpSpPr>
+      <p:grpSpPr>
+        <a:xfrm>
+          <a:off x="0" y="0"/>
+          <a:ext cx="0" cy="0"/>
+          <a:chOff x="0" y="0"/>
+          <a:chExt cx="0" cy="0"/>
+        </a:xfrm>
+      </p:grpSpPr>
+      <p:pic>
+        <p:nvPicPr>
+          <p:cNvPr id="4" name="Marcador de contenido 3"/>
+          <p:cNvPicPr>
+            <a:picLocks noGrp="1" noChangeAspect="1"/>
+          </p:cNvPicPr>
+          <p:nvPr>
+            <p:ph idx="1"/>
+          </p:nvPr>
+        </p:nvPicPr>
+        <p:blipFill>
+          <a:blip r:embed="rId2">
+            <a:extLst>
+              <a:ext uri="{28A0092B-C50C-407E-A947-70E740481C1C}">
+                <a14:useLocalDpi xmlns:a14="http://schemas.microsoft.com/office/drawing/2010/main" val="0"/>
+              </a:ext>
+            </a:extLst>
+          </a:blip>
+          <a:stretch>
+            <a:fillRect/>
+          </a:stretch>
+        </p:blipFill>
+        <p:spPr>
+          <a:xfrm>
+            <a:off x="646533" y="1058091"/>
+            <a:ext cx="5440758" cy="5445793"/>
+          </a:xfrm>
+          <a:prstGeom prst="rect">
+            <a:avLst/>
+          </a:prstGeom>
+        </p:spPr>
+      </p:pic>
+      <p:sp>
+        <p:nvSpPr>
+          <p:cNvPr id="5" name="Título 1"/>
+          <p:cNvSpPr>
+            <a:spLocks noGrp="1"/>
+          </p:cNvSpPr>
+          <p:nvPr>
+            <p:ph type="title"/>
+          </p:nvPr>
+        </p:nvSpPr>
+        <p:spPr>
+          <a:xfrm>
+            <a:off x="1040255" y="60832"/>
+            <a:ext cx="7868614" cy="997259"/>
+          </a:xfrm>
+        </p:spPr>
+        <p:txBody>
+          <a:bodyPr/>
+          <a:lstStyle/>
+          <a:p>
+            <a:r>
+              <a:rPr lang="es-PY" b="1" dirty="0" smtClean="0"/>
+              <a:t>MODELO DE CASO DE USO</a:t>
+            </a:r>
+            <a:endParaRPr lang="es-PY" b="1" dirty="0"/>
+          </a:p>
+        </p:txBody>
+      </p:sp>
+      <p:pic>
+        <p:nvPicPr>
+          <p:cNvPr id="6" name="Marcador de contenido 3"/>
+          <p:cNvPicPr>
+            <a:picLocks noChangeAspect="1"/>
+          </p:cNvPicPr>
+          <p:nvPr/>
+        </p:nvPicPr>
+        <p:blipFill>
+          <a:blip r:embed="rId3">
+            <a:extLst>
+              <a:ext uri="{28A0092B-C50C-407E-A947-70E740481C1C}">
+                <a14:useLocalDpi xmlns:a14="http://schemas.microsoft.com/office/drawing/2010/main" val="0"/>
+              </a:ext>
+            </a:extLst>
+          </a:blip>
+          <a:stretch>
+            <a:fillRect/>
+          </a:stretch>
+        </p:blipFill>
+        <p:spPr>
+          <a:xfrm>
+            <a:off x="6450403" y="2502813"/>
+            <a:ext cx="4313819" cy="2643953"/>
+          </a:xfrm>
+          <a:prstGeom prst="rect">
+            <a:avLst/>
+          </a:prstGeom>
+        </p:spPr>
+      </p:pic>
+    </p:spTree>
+    <p:extLst>
+      <p:ext uri="{BB962C8B-B14F-4D97-AF65-F5344CB8AC3E}">
+        <p14:creationId xmlns:p14="http://schemas.microsoft.com/office/powerpoint/2010/main" val="1586590032"/>
+      </p:ext>
+    </p:extLst>
+  </p:cSld>
+  <p:clrMapOvr>
+    <a:masterClrMapping/>
+  </p:clrMapOvr>
+  <p:timing>
+    <p:tnLst>
+      <p:par>
+        <p:cTn id="1" dur="indefinite" restart="never" nodeType="tmRoot"/>
+      </p:par>
+    </p:tnLst>
+  </p:timing>
+</p:sld>
+</file>
+
+<file path=ppt/slides/slide11.xml><?xml version="1.0" encoding="utf-8"?>
+<p:sld xmlns:a="http://schemas.openxmlformats.org/drawingml/2006/main" xmlns:r="http://schemas.openxmlformats.org/officeDocument/2006/relationships" xmlns:p="http://schemas.openxmlformats.org/presentationml/2006/main">
+  <p:cSld>
+    <p:spTree>
+      <p:nvGrpSpPr>
+        <p:cNvPr id="1" name=""/>
+        <p:cNvGrpSpPr/>
+        <p:nvPr/>
+      </p:nvGrpSpPr>
+      <p:grpSpPr>
+        <a:xfrm>
+          <a:off x="0" y="0"/>
+          <a:ext cx="0" cy="0"/>
+          <a:chOff x="0" y="0"/>
+          <a:chExt cx="0" cy="0"/>
+        </a:xfrm>
+      </p:grpSpPr>
+      <p:sp>
+        <p:nvSpPr>
+          <p:cNvPr id="2" name="Título 1"/>
+          <p:cNvSpPr>
+            <a:spLocks noGrp="1"/>
+          </p:cNvSpPr>
+          <p:nvPr>
+            <p:ph type="title"/>
+          </p:nvPr>
+        </p:nvSpPr>
+        <p:spPr/>
+        <p:txBody>
+          <a:bodyPr/>
+          <a:lstStyle/>
+          <a:p>
+            <a:r>
+              <a:rPr lang="es-ES" b="1" dirty="0"/>
+              <a:t>DIAGRAMA DE ACTIVIDADES</a:t>
+            </a:r>
+            <a:endParaRPr lang="es-PY" dirty="0"/>
+          </a:p>
+        </p:txBody>
+      </p:sp>
+      <p:pic>
+        <p:nvPicPr>
+          <p:cNvPr id="4" name="Imagen 3"/>
+          <p:cNvPicPr>
+            <a:picLocks noChangeAspect="1"/>
+          </p:cNvPicPr>
+          <p:nvPr/>
+        </p:nvPicPr>
+        <p:blipFill>
+          <a:blip r:embed="rId2">
+            <a:extLst>
+              <a:ext uri="{28A0092B-C50C-407E-A947-70E740481C1C}">
+                <a14:useLocalDpi xmlns:a14="http://schemas.microsoft.com/office/drawing/2010/main" val="0"/>
+              </a:ext>
+            </a:extLst>
+          </a:blip>
+          <a:stretch>
+            <a:fillRect/>
+          </a:stretch>
+        </p:blipFill>
+        <p:spPr>
+          <a:xfrm>
+            <a:off x="1254633" y="1516072"/>
+            <a:ext cx="9274030" cy="4523490"/>
+          </a:xfrm>
+          <a:prstGeom prst="rect">
+            <a:avLst/>
+          </a:prstGeom>
+        </p:spPr>
+      </p:pic>
+    </p:spTree>
+    <p:extLst>
+      <p:ext uri="{BB962C8B-B14F-4D97-AF65-F5344CB8AC3E}">
+        <p14:creationId xmlns:p14="http://schemas.microsoft.com/office/powerpoint/2010/main" val="1799874301"/>
+      </p:ext>
+    </p:extLst>
+  </p:cSld>
+  <p:clrMapOvr>
+    <a:masterClrMapping/>
+  </p:clrMapOvr>
+  <p:timing>
+    <p:tnLst>
+      <p:par>
+        <p:cTn id="1" dur="indefinite" restart="never" nodeType="tmRoot"/>
+      </p:par>
+    </p:tnLst>
+  </p:timing>
+</p:sld>
+</file>
+
+<file path=ppt/slides/slide12.xml><?xml version="1.0" encoding="utf-8"?>
+<p:sld xmlns:a="http://schemas.openxmlformats.org/drawingml/2006/main" xmlns:r="http://schemas.openxmlformats.org/officeDocument/2006/relationships" xmlns:p="http://schemas.openxmlformats.org/presentationml/2006/main">
+  <p:cSld>
+    <p:spTree>
+      <p:nvGrpSpPr>
+        <p:cNvPr id="1" name=""/>
+        <p:cNvGrpSpPr/>
+        <p:nvPr/>
+      </p:nvGrpSpPr>
+      <p:grpSpPr>
+        <a:xfrm>
+          <a:off x="0" y="0"/>
+          <a:ext cx="0" cy="0"/>
+          <a:chOff x="0" y="0"/>
+          <a:chExt cx="0" cy="0"/>
+        </a:xfrm>
+      </p:grpSpPr>
+      <p:sp>
+        <p:nvSpPr>
+          <p:cNvPr id="2" name="Título 1"/>
+          <p:cNvSpPr>
+            <a:spLocks noGrp="1"/>
+          </p:cNvSpPr>
+          <p:nvPr>
+            <p:ph type="title"/>
+          </p:nvPr>
+        </p:nvSpPr>
+        <p:spPr/>
+        <p:txBody>
+          <a:bodyPr/>
+          <a:lstStyle/>
+          <a:p>
+            <a:r>
+              <a:rPr lang="es-PY" b="1" dirty="0" smtClean="0"/>
+              <a:t>DIAGRAMA DE ESTADOS</a:t>
+            </a:r>
+            <a:endParaRPr lang="es-PY" b="1" dirty="0"/>
+          </a:p>
+        </p:txBody>
+      </p:sp>
+      <p:pic>
+        <p:nvPicPr>
+          <p:cNvPr id="4" name="Imagen 3"/>
+          <p:cNvPicPr>
+            <a:picLocks noChangeAspect="1"/>
+          </p:cNvPicPr>
+          <p:nvPr/>
+        </p:nvPicPr>
+        <p:blipFill>
+          <a:blip r:embed="rId2">
+            <a:extLst>
+              <a:ext uri="{28A0092B-C50C-407E-A947-70E740481C1C}">
+                <a14:useLocalDpi xmlns:a14="http://schemas.microsoft.com/office/drawing/2010/main" val="0"/>
+              </a:ext>
+            </a:extLst>
+          </a:blip>
+          <a:stretch>
+            <a:fillRect/>
+          </a:stretch>
+        </p:blipFill>
+        <p:spPr>
+          <a:xfrm>
+            <a:off x="1294905" y="1853248"/>
+            <a:ext cx="8581434" cy="2674732"/>
+          </a:xfrm>
+          <a:prstGeom prst="rect">
+            <a:avLst/>
+          </a:prstGeom>
+        </p:spPr>
+      </p:pic>
+    </p:spTree>
+    <p:extLst>
+      <p:ext uri="{BB962C8B-B14F-4D97-AF65-F5344CB8AC3E}">
+        <p14:creationId xmlns:p14="http://schemas.microsoft.com/office/powerpoint/2010/main" val="3299755159"/>
+      </p:ext>
+    </p:extLst>
+  </p:cSld>
+  <p:clrMapOvr>
+    <a:masterClrMapping/>
+  </p:clrMapOvr>
+  <p:timing>
+    <p:tnLst>
+      <p:par>
+        <p:cTn id="1" dur="indefinite" restart="never" nodeType="tmRoot"/>
+      </p:par>
+    </p:tnLst>
+  </p:timing>
+</p:sld>
+</file>
+
+<file path=ppt/slides/slide13.xml><?xml version="1.0" encoding="utf-8"?>
+<p:sld xmlns:a="http://schemas.openxmlformats.org/drawingml/2006/main" xmlns:r="http://schemas.openxmlformats.org/officeDocument/2006/relationships" xmlns:p="http://schemas.openxmlformats.org/presentationml/2006/main">
+  <p:cSld>
+    <p:spTree>
+      <p:nvGrpSpPr>
+        <p:cNvPr id="1" name=""/>
+        <p:cNvGrpSpPr/>
+        <p:nvPr/>
+      </p:nvGrpSpPr>
+      <p:grpSpPr>
+        <a:xfrm>
+          <a:off x="0" y="0"/>
+          <a:ext cx="0" cy="0"/>
+          <a:chOff x="0" y="0"/>
+          <a:chExt cx="0" cy="0"/>
+        </a:xfrm>
+      </p:grpSpPr>
+      <p:sp>
+        <p:nvSpPr>
+          <p:cNvPr id="2" name="Título 1"/>
+          <p:cNvSpPr>
+            <a:spLocks noGrp="1"/>
+          </p:cNvSpPr>
+          <p:nvPr>
+            <p:ph type="title"/>
+          </p:nvPr>
+        </p:nvSpPr>
+        <p:spPr/>
+        <p:txBody>
+          <a:bodyPr/>
+          <a:lstStyle/>
+          <a:p>
+            <a:r>
+              <a:rPr lang="es-PY" b="1" dirty="0" smtClean="0"/>
+              <a:t>DIAGRAMA DE INTERACCION</a:t>
+            </a:r>
+            <a:endParaRPr lang="es-PY" b="1" dirty="0"/>
+          </a:p>
+        </p:txBody>
+      </p:sp>
+      <p:pic>
+        <p:nvPicPr>
+          <p:cNvPr id="4" name="Imagen 3"/>
+          <p:cNvPicPr>
+            <a:picLocks noChangeAspect="1"/>
+          </p:cNvPicPr>
+          <p:nvPr/>
+        </p:nvPicPr>
+        <p:blipFill>
+          <a:blip r:embed="rId2">
+            <a:extLst>
+              <a:ext uri="{28A0092B-C50C-407E-A947-70E740481C1C}">
+                <a14:useLocalDpi xmlns:a14="http://schemas.microsoft.com/office/drawing/2010/main" val="0"/>
+              </a:ext>
+            </a:extLst>
+          </a:blip>
+          <a:stretch>
+            <a:fillRect/>
+          </a:stretch>
+        </p:blipFill>
+        <p:spPr>
+          <a:xfrm>
+            <a:off x="1787180" y="1521711"/>
+            <a:ext cx="8263654" cy="4607389"/>
+          </a:xfrm>
+          <a:prstGeom prst="rect">
+            <a:avLst/>
+          </a:prstGeom>
+        </p:spPr>
+      </p:pic>
+    </p:spTree>
+    <p:extLst>
+      <p:ext uri="{BB962C8B-B14F-4D97-AF65-F5344CB8AC3E}">
+        <p14:creationId xmlns:p14="http://schemas.microsoft.com/office/powerpoint/2010/main" val="305250779"/>
+      </p:ext>
+    </p:extLst>
+  </p:cSld>
+  <p:clrMapOvr>
+    <a:masterClrMapping/>
+  </p:clrMapOvr>
+  <p:timing>
+    <p:tnLst>
+      <p:par>
+        <p:cTn id="1" dur="indefinite" restart="never" nodeType="tmRoot"/>
+      </p:par>
+    </p:tnLst>
+  </p:timing>
+</p:sld>
+</file>
+
+<file path=ppt/slides/slide14.xml><?xml version="1.0" encoding="utf-8"?>
+<p:sld xmlns:a="http://schemas.openxmlformats.org/drawingml/2006/main" xmlns:r="http://schemas.openxmlformats.org/officeDocument/2006/relationships" xmlns:p="http://schemas.openxmlformats.org/presentationml/2006/main">
+  <p:cSld>
+    <p:spTree>
+      <p:nvGrpSpPr>
+        <p:cNvPr id="1" name=""/>
+        <p:cNvGrpSpPr/>
+        <p:nvPr/>
+      </p:nvGrpSpPr>
+      <p:grpSpPr>
+        <a:xfrm>
+          <a:off x="0" y="0"/>
+          <a:ext cx="0" cy="0"/>
+          <a:chOff x="0" y="0"/>
+          <a:chExt cx="0" cy="0"/>
+        </a:xfrm>
+      </p:grpSpPr>
+      <p:sp>
+        <p:nvSpPr>
+          <p:cNvPr id="2" name="Título 1"/>
+          <p:cNvSpPr>
+            <a:spLocks noGrp="1"/>
+          </p:cNvSpPr>
+          <p:nvPr>
+            <p:ph type="title"/>
+          </p:nvPr>
+        </p:nvSpPr>
+        <p:spPr/>
+        <p:txBody>
+          <a:bodyPr/>
+          <a:lstStyle/>
+          <a:p>
+            <a:r>
+              <a:rPr lang="es-PY" b="1" dirty="0" smtClean="0"/>
+              <a:t>DIAGRAMA DE SECUENCIA</a:t>
+            </a:r>
+            <a:endParaRPr lang="es-PY" b="1" dirty="0"/>
+          </a:p>
+        </p:txBody>
+      </p:sp>
+      <p:pic>
+        <p:nvPicPr>
+          <p:cNvPr id="3" name="Imagen 2"/>
+          <p:cNvPicPr>
+            <a:picLocks noChangeAspect="1"/>
+          </p:cNvPicPr>
+          <p:nvPr/>
+        </p:nvPicPr>
+        <p:blipFill>
+          <a:blip r:embed="rId2">
+            <a:extLst>
+              <a:ext uri="{28A0092B-C50C-407E-A947-70E740481C1C}">
+                <a14:useLocalDpi xmlns:a14="http://schemas.microsoft.com/office/drawing/2010/main" val="0"/>
+              </a:ext>
+            </a:extLst>
+          </a:blip>
+          <a:stretch>
+            <a:fillRect/>
+          </a:stretch>
+        </p:blipFill>
+        <p:spPr>
+          <a:xfrm>
+            <a:off x="1463931" y="1447444"/>
+            <a:ext cx="7769082" cy="4806666"/>
+          </a:xfrm>
+          <a:prstGeom prst="rect">
+            <a:avLst/>
+          </a:prstGeom>
+        </p:spPr>
+      </p:pic>
+    </p:spTree>
+    <p:extLst>
+      <p:ext uri="{BB962C8B-B14F-4D97-AF65-F5344CB8AC3E}">
+        <p14:creationId xmlns:p14="http://schemas.microsoft.com/office/powerpoint/2010/main" val="2621678191"/>
+      </p:ext>
+    </p:extLst>
+  </p:cSld>
+  <p:clrMapOvr>
+    <a:masterClrMapping/>
+  </p:clrMapOvr>
+  <p:timing>
+    <p:tnLst>
+      <p:par>
+        <p:cTn id="1" dur="indefinite" restart="never" nodeType="tmRoot"/>
+      </p:par>
+    </p:tnLst>
+  </p:timing>
+</p:sld>
+</file>
+
+<file path=ppt/slides/slide15.xml><?xml version="1.0" encoding="utf-8"?>
+<p:sld xmlns:a="http://schemas.openxmlformats.org/drawingml/2006/main" xmlns:r="http://schemas.openxmlformats.org/officeDocument/2006/relationships" xmlns:p="http://schemas.openxmlformats.org/presentationml/2006/main">
+  <p:cSld>
+    <p:spTree>
+      <p:nvGrpSpPr>
+        <p:cNvPr id="1" name=""/>
+        <p:cNvGrpSpPr/>
+        <p:nvPr/>
+      </p:nvGrpSpPr>
+      <p:grpSpPr>
+        <a:xfrm>
+          <a:off x="0" y="0"/>
+          <a:ext cx="0" cy="0"/>
+          <a:chOff x="0" y="0"/>
+          <a:chExt cx="0" cy="0"/>
+        </a:xfrm>
+      </p:grpSpPr>
+      <p:sp>
+        <p:nvSpPr>
+          <p:cNvPr id="2" name="Título 1"/>
+          <p:cNvSpPr>
+            <a:spLocks noGrp="1"/>
+          </p:cNvSpPr>
+          <p:nvPr>
+            <p:ph type="title"/>
+          </p:nvPr>
+        </p:nvSpPr>
+        <p:spPr/>
+        <p:txBody>
+          <a:bodyPr/>
+          <a:lstStyle/>
+          <a:p>
+            <a:r>
+              <a:rPr lang="es-PY" b="1" dirty="0" smtClean="0"/>
+              <a:t>DIAGRAMA DE PAQUETES</a:t>
+            </a:r>
+            <a:endParaRPr lang="es-PY" b="1" dirty="0"/>
+          </a:p>
+        </p:txBody>
+      </p:sp>
+      <p:pic>
+        <p:nvPicPr>
+          <p:cNvPr id="4" name="Imagen 3"/>
+          <p:cNvPicPr>
+            <a:picLocks noChangeAspect="1"/>
+          </p:cNvPicPr>
+          <p:nvPr/>
+        </p:nvPicPr>
+        <p:blipFill>
+          <a:blip r:embed="rId2">
+            <a:extLst>
+              <a:ext uri="{28A0092B-C50C-407E-A947-70E740481C1C}">
+                <a14:useLocalDpi xmlns:a14="http://schemas.microsoft.com/office/drawing/2010/main" val="0"/>
+              </a:ext>
+            </a:extLst>
+          </a:blip>
+          <a:stretch>
+            <a:fillRect/>
+          </a:stretch>
+        </p:blipFill>
+        <p:spPr>
+          <a:xfrm>
+            <a:off x="1526056" y="2286000"/>
+            <a:ext cx="7644831" cy="3766659"/>
+          </a:xfrm>
+          <a:prstGeom prst="rect">
+            <a:avLst/>
+          </a:prstGeom>
+        </p:spPr>
+      </p:pic>
+    </p:spTree>
+    <p:extLst>
+      <p:ext uri="{BB962C8B-B14F-4D97-AF65-F5344CB8AC3E}">
+        <p14:creationId xmlns:p14="http://schemas.microsoft.com/office/powerpoint/2010/main" val="1715911762"/>
+      </p:ext>
+    </p:extLst>
+  </p:cSld>
+  <p:clrMapOvr>
+    <a:masterClrMapping/>
+  </p:clrMapOvr>
+  <p:timing>
+    <p:tnLst>
+      <p:par>
+        <p:cTn id="1" dur="indefinite" restart="never" nodeType="tmRoot"/>
+      </p:par>
+    </p:tnLst>
+  </p:timing>
+</p:sld>
+</file>
+
+<file path=ppt/slides/slide16.xml><?xml version="1.0" encoding="utf-8"?>
+<p:sld xmlns:a="http://schemas.openxmlformats.org/drawingml/2006/main" xmlns:r="http://schemas.openxmlformats.org/officeDocument/2006/relationships" xmlns:p="http://schemas.openxmlformats.org/presentationml/2006/main">
+  <p:cSld>
+    <p:spTree>
+      <p:nvGrpSpPr>
+        <p:cNvPr id="1" name=""/>
+        <p:cNvGrpSpPr/>
+        <p:nvPr/>
+      </p:nvGrpSpPr>
+      <p:grpSpPr>
+        <a:xfrm>
+          <a:off x="0" y="0"/>
+          <a:ext cx="0" cy="0"/>
+          <a:chOff x="0" y="0"/>
+          <a:chExt cx="0" cy="0"/>
+        </a:xfrm>
+      </p:grpSpPr>
+      <p:sp>
+        <p:nvSpPr>
+          <p:cNvPr id="2" name="Título 1"/>
+          <p:cNvSpPr>
+            <a:spLocks noGrp="1"/>
+          </p:cNvSpPr>
+          <p:nvPr>
+            <p:ph type="title"/>
+          </p:nvPr>
+        </p:nvSpPr>
+        <p:spPr/>
+        <p:txBody>
+          <a:bodyPr/>
+          <a:lstStyle/>
+          <a:p>
+            <a:r>
+              <a:rPr lang="es-PY" b="1" dirty="0" smtClean="0"/>
+              <a:t>DIAGRAMA DE CLASES</a:t>
+            </a:r>
+            <a:endParaRPr lang="es-PY" b="1" dirty="0"/>
+          </a:p>
+        </p:txBody>
+      </p:sp>
+      <p:pic>
+        <p:nvPicPr>
+          <p:cNvPr id="5" name="Imagen 4"/>
+          <p:cNvPicPr>
+            <a:picLocks noChangeAspect="1"/>
+          </p:cNvPicPr>
+          <p:nvPr/>
+        </p:nvPicPr>
+        <p:blipFill>
+          <a:blip r:embed="rId2">
+            <a:extLst>
+              <a:ext uri="{28A0092B-C50C-407E-A947-70E740481C1C}">
+                <a14:useLocalDpi xmlns:a14="http://schemas.microsoft.com/office/drawing/2010/main" val="0"/>
+              </a:ext>
+            </a:extLst>
+          </a:blip>
+          <a:stretch>
+            <a:fillRect/>
+          </a:stretch>
+        </p:blipFill>
+        <p:spPr>
+          <a:xfrm>
+            <a:off x="1737360" y="1678405"/>
+            <a:ext cx="8012577" cy="4260655"/>
+          </a:xfrm>
+          <a:prstGeom prst="rect">
+            <a:avLst/>
+          </a:prstGeom>
+        </p:spPr>
+      </p:pic>
+    </p:spTree>
+    <p:extLst>
+      <p:ext uri="{BB962C8B-B14F-4D97-AF65-F5344CB8AC3E}">
+        <p14:creationId xmlns:p14="http://schemas.microsoft.com/office/powerpoint/2010/main" val="3955316492"/>
+      </p:ext>
+    </p:extLst>
+  </p:cSld>
+  <p:clrMapOvr>
+    <a:masterClrMapping/>
+  </p:clrMapOvr>
+  <p:timing>
+    <p:tnLst>
+      <p:par>
+        <p:cTn id="1" dur="indefinite" restart="never" nodeType="tmRoot"/>
+      </p:par>
+    </p:tnLst>
+  </p:timing>
+</p:sld>
+</file>
+
+<file path=ppt/slides/slide17.xml><?xml version="1.0" encoding="utf-8"?>
+<p:sld xmlns:a="http://schemas.openxmlformats.org/drawingml/2006/main" xmlns:r="http://schemas.openxmlformats.org/officeDocument/2006/relationships" xmlns:p="http://schemas.openxmlformats.org/presentationml/2006/main">
+  <p:cSld>
+    <p:spTree>
+      <p:nvGrpSpPr>
+        <p:cNvPr id="1" name=""/>
+        <p:cNvGrpSpPr/>
+        <p:nvPr/>
+      </p:nvGrpSpPr>
+      <p:grpSpPr>
+        <a:xfrm>
+          <a:off x="0" y="0"/>
+          <a:ext cx="0" cy="0"/>
+          <a:chOff x="0" y="0"/>
+          <a:chExt cx="0" cy="0"/>
+        </a:xfrm>
+      </p:grpSpPr>
+      <p:sp>
+        <p:nvSpPr>
+          <p:cNvPr id="4" name="Título 1"/>
+          <p:cNvSpPr txBox="1">
+            <a:spLocks/>
+          </p:cNvSpPr>
+          <p:nvPr/>
+        </p:nvSpPr>
+        <p:spPr>
+          <a:xfrm>
+            <a:off x="1789612" y="2638698"/>
+            <a:ext cx="9013371" cy="1436914"/>
+          </a:xfrm>
+          <a:prstGeom prst="rect">
+            <a:avLst/>
+          </a:prstGeom>
+        </p:spPr>
+        <p:txBody>
+          <a:bodyPr vert="horz" lIns="91440" tIns="45720" rIns="91440" bIns="45720" rtlCol="0" anchor="t">
+            <a:noAutofit/>
+          </a:bodyPr>
+          <a:lstStyle>
+            <a:lvl1pPr algn="l" defTabSz="457200" rtl="0" eaLnBrk="1" latinLnBrk="0" hangingPunct="1">
+              <a:spcBef>
+                <a:spcPct val="0"/>
+              </a:spcBef>
+              <a:buNone/>
+              <a:defRPr sz="4200" b="0" i="0" kern="1200">
+                <a:solidFill>
+                  <a:schemeClr val="tx2"/>
+                </a:solidFill>
+                <a:latin typeface="+mj-lt"/>
+                <a:ea typeface="+mj-ea"/>
+                <a:cs typeface="+mj-cs"/>
+              </a:defRPr>
+            </a:lvl1pPr>
+            <a:lvl2pPr eaLnBrk="1" hangingPunct="1">
+              <a:defRPr>
+                <a:solidFill>
+                  <a:schemeClr val="tx2"/>
+                </a:solidFill>
+              </a:defRPr>
+            </a:lvl2pPr>
+            <a:lvl3pPr eaLnBrk="1" hangingPunct="1">
+              <a:defRPr>
+                <a:solidFill>
+                  <a:schemeClr val="tx2"/>
+                </a:solidFill>
+              </a:defRPr>
+            </a:lvl3pPr>
+            <a:lvl4pPr eaLnBrk="1" hangingPunct="1">
+              <a:defRPr>
+                <a:solidFill>
+                  <a:schemeClr val="tx2"/>
+                </a:solidFill>
+              </a:defRPr>
+            </a:lvl4pPr>
+            <a:lvl5pPr eaLnBrk="1" hangingPunct="1">
+              <a:defRPr>
+                <a:solidFill>
+                  <a:schemeClr val="tx2"/>
+                </a:solidFill>
+              </a:defRPr>
+            </a:lvl5pPr>
+            <a:lvl6pPr eaLnBrk="1" hangingPunct="1">
+              <a:defRPr>
+                <a:solidFill>
+                  <a:schemeClr val="tx2"/>
+                </a:solidFill>
+              </a:defRPr>
+            </a:lvl6pPr>
+            <a:lvl7pPr eaLnBrk="1" hangingPunct="1">
+              <a:defRPr>
+                <a:solidFill>
+                  <a:schemeClr val="tx2"/>
+                </a:solidFill>
+              </a:defRPr>
+            </a:lvl7pPr>
+            <a:lvl8pPr eaLnBrk="1" hangingPunct="1">
+              <a:defRPr>
+                <a:solidFill>
+                  <a:schemeClr val="tx2"/>
+                </a:solidFill>
+              </a:defRPr>
+            </a:lvl8pPr>
+            <a:lvl9pPr eaLnBrk="1" hangingPunct="1">
+              <a:defRPr>
+                <a:solidFill>
+                  <a:schemeClr val="tx2"/>
+                </a:solidFill>
+              </a:defRPr>
+            </a:lvl9pPr>
+          </a:lstStyle>
+          <a:p>
+            <a:r>
+              <a:rPr lang="es-ES" sz="7200" b="1" dirty="0"/>
+              <a:t>ANÁLISIS DE RIESGO</a:t>
+            </a:r>
+            <a:endParaRPr lang="es-PY" sz="7200" b="1" dirty="0"/>
+          </a:p>
+          <a:p>
+            <a:endParaRPr lang="es-PY" sz="7200" b="1" dirty="0"/>
+          </a:p>
+        </p:txBody>
+      </p:sp>
+    </p:spTree>
+    <p:extLst>
+      <p:ext uri="{BB962C8B-B14F-4D97-AF65-F5344CB8AC3E}">
+        <p14:creationId xmlns:p14="http://schemas.microsoft.com/office/powerpoint/2010/main" val="126549745"/>
+      </p:ext>
+    </p:extLst>
+  </p:cSld>
+  <p:clrMapOvr>
+    <a:masterClrMapping/>
+  </p:clrMapOvr>
+  <p:timing>
+    <p:tnLst>
+      <p:par>
+        <p:cTn id="1" dur="indefinite" restart="never" nodeType="tmRoot"/>
+      </p:par>
+    </p:tnLst>
+  </p:timing>
+</p:sld>
+</file>
+
+<file path=ppt/slides/slide18.xml><?xml version="1.0" encoding="utf-8"?>
+<p:sld xmlns:a="http://schemas.openxmlformats.org/drawingml/2006/main" xmlns:r="http://schemas.openxmlformats.org/officeDocument/2006/relationships" xmlns:p="http://schemas.openxmlformats.org/presentationml/2006/main">
+  <p:cSld>
+    <p:spTree>
+      <p:nvGrpSpPr>
+        <p:cNvPr id="1" name=""/>
+        <p:cNvGrpSpPr/>
+        <p:nvPr/>
+      </p:nvGrpSpPr>
+      <p:grpSpPr>
+        <a:xfrm>
+          <a:off x="0" y="0"/>
+          <a:ext cx="0" cy="0"/>
+          <a:chOff x="0" y="0"/>
+          <a:chExt cx="0" cy="0"/>
+        </a:xfrm>
+      </p:grpSpPr>
+      <p:sp>
+        <p:nvSpPr>
+          <p:cNvPr id="3" name="Marcador de contenido 2"/>
+          <p:cNvSpPr>
+            <a:spLocks noGrp="1"/>
+          </p:cNvSpPr>
+          <p:nvPr>
+            <p:ph idx="1"/>
+          </p:nvPr>
+        </p:nvSpPr>
+        <p:spPr>
+          <a:xfrm>
+            <a:off x="1142501" y="1256084"/>
+            <a:ext cx="8946541" cy="4195481"/>
+          </a:xfrm>
+        </p:spPr>
+        <p:txBody>
+          <a:bodyPr/>
+          <a:lstStyle/>
+          <a:p>
+            <a:r>
+              <a:rPr lang="es-PY" dirty="0"/>
+              <a:t>Un riesgo es una variable del proyecto que pone en peligro o impide el éxito del mismo. Es la “probabilidad  de que un proyecto experimente sucesos no deseables, como retrasos en las fechas, excesos de costes, o la cancelación directa</a:t>
+            </a:r>
+            <a:r>
+              <a:rPr lang="es-PY" dirty="0" smtClean="0"/>
+              <a:t>”</a:t>
+            </a:r>
+          </a:p>
+          <a:p>
+            <a:r>
+              <a:rPr lang="es-PY" dirty="0"/>
+              <a:t>El objetivo del presente plan es asegurar que el proyecto se concrete dentro de los plazos previstos y observando todos los requerimientos fijados por los futuros usuarios. Permitiendo, al mismo tiempo, la detección oportuna de los problemas técnicos que se puedan presentar y la ejecución de un adecuado control y gestión de los cambios que se vayan presentando durante el desarrollo.</a:t>
+            </a:r>
+          </a:p>
+          <a:p>
+            <a:endParaRPr lang="es-PY" dirty="0"/>
+          </a:p>
+        </p:txBody>
+      </p:sp>
+    </p:spTree>
+    <p:extLst>
+      <p:ext uri="{BB962C8B-B14F-4D97-AF65-F5344CB8AC3E}">
+        <p14:creationId xmlns:p14="http://schemas.microsoft.com/office/powerpoint/2010/main" val="3638085557"/>
+      </p:ext>
+    </p:extLst>
+  </p:cSld>
+  <p:clrMapOvr>
+    <a:masterClrMapping/>
+  </p:clrMapOvr>
+  <p:timing>
+    <p:tnLst>
+      <p:par>
+        <p:cTn id="1" dur="indefinite" restart="never" nodeType="tmRoot"/>
+      </p:par>
+    </p:tnLst>
+  </p:timing>
+</p:sld>
+</file>
+
+<file path=ppt/slides/slide19.xml><?xml version="1.0" encoding="utf-8"?>
+<p:sld xmlns:a="http://schemas.openxmlformats.org/drawingml/2006/main" xmlns:r="http://schemas.openxmlformats.org/officeDocument/2006/relationships" xmlns:p="http://schemas.openxmlformats.org/presentationml/2006/main">
+  <p:cSld>
+    <p:spTree>
+      <p:nvGrpSpPr>
+        <p:cNvPr id="1" name=""/>
+        <p:cNvGrpSpPr/>
+        <p:nvPr/>
+      </p:nvGrpSpPr>
+      <p:grpSpPr>
+        <a:xfrm>
+          <a:off x="0" y="0"/>
+          <a:ext cx="0" cy="0"/>
+          <a:chOff x="0" y="0"/>
+          <a:chExt cx="0" cy="0"/>
+        </a:xfrm>
+      </p:grpSpPr>
+      <p:sp>
+        <p:nvSpPr>
+          <p:cNvPr id="4" name="Título 1"/>
+          <p:cNvSpPr txBox="1">
+            <a:spLocks/>
+          </p:cNvSpPr>
+          <p:nvPr/>
+        </p:nvSpPr>
+        <p:spPr>
+          <a:xfrm>
+            <a:off x="209007" y="1685107"/>
+            <a:ext cx="10920548" cy="3422469"/>
+          </a:xfrm>
+          <a:prstGeom prst="rect">
+            <a:avLst/>
+          </a:prstGeom>
+        </p:spPr>
+        <p:txBody>
+          <a:bodyPr vert="horz" lIns="91440" tIns="45720" rIns="91440" bIns="45720" rtlCol="0" anchor="t">
+            <a:noAutofit/>
+          </a:bodyPr>
+          <a:lstStyle>
+            <a:lvl1pPr algn="l" defTabSz="457200" rtl="0" eaLnBrk="1" latinLnBrk="0" hangingPunct="1">
+              <a:spcBef>
+                <a:spcPct val="0"/>
+              </a:spcBef>
+              <a:buNone/>
+              <a:defRPr sz="4200" b="0" i="0" kern="1200">
+                <a:solidFill>
+                  <a:schemeClr val="tx2"/>
+                </a:solidFill>
+                <a:latin typeface="+mj-lt"/>
+                <a:ea typeface="+mj-ea"/>
+                <a:cs typeface="+mj-cs"/>
+              </a:defRPr>
+            </a:lvl1pPr>
+            <a:lvl2pPr eaLnBrk="1" hangingPunct="1">
+              <a:defRPr>
+                <a:solidFill>
+                  <a:schemeClr val="tx2"/>
+                </a:solidFill>
+              </a:defRPr>
+            </a:lvl2pPr>
+            <a:lvl3pPr eaLnBrk="1" hangingPunct="1">
+              <a:defRPr>
+                <a:solidFill>
+                  <a:schemeClr val="tx2"/>
+                </a:solidFill>
+              </a:defRPr>
+            </a:lvl3pPr>
+            <a:lvl4pPr eaLnBrk="1" hangingPunct="1">
+              <a:defRPr>
+                <a:solidFill>
+                  <a:schemeClr val="tx2"/>
+                </a:solidFill>
+              </a:defRPr>
+            </a:lvl4pPr>
+            <a:lvl5pPr eaLnBrk="1" hangingPunct="1">
+              <a:defRPr>
+                <a:solidFill>
+                  <a:schemeClr val="tx2"/>
+                </a:solidFill>
+              </a:defRPr>
+            </a:lvl5pPr>
+            <a:lvl6pPr eaLnBrk="1" hangingPunct="1">
+              <a:defRPr>
+                <a:solidFill>
+                  <a:schemeClr val="tx2"/>
+                </a:solidFill>
+              </a:defRPr>
+            </a:lvl6pPr>
+            <a:lvl7pPr eaLnBrk="1" hangingPunct="1">
+              <a:defRPr>
+                <a:solidFill>
+                  <a:schemeClr val="tx2"/>
+                </a:solidFill>
+              </a:defRPr>
+            </a:lvl7pPr>
+            <a:lvl8pPr eaLnBrk="1" hangingPunct="1">
+              <a:defRPr>
+                <a:solidFill>
+                  <a:schemeClr val="tx2"/>
+                </a:solidFill>
+              </a:defRPr>
+            </a:lvl8pPr>
+            <a:lvl9pPr eaLnBrk="1" hangingPunct="1">
+              <a:defRPr>
+                <a:solidFill>
+                  <a:schemeClr val="tx2"/>
+                </a:solidFill>
+              </a:defRPr>
+            </a:lvl9pPr>
+          </a:lstStyle>
+          <a:p>
+            <a:pPr algn="ctr"/>
+            <a:r>
+              <a:rPr lang="es-PY" sz="6000" b="1" dirty="0"/>
+              <a:t>PLAN</a:t>
+            </a:r>
+            <a:r>
+              <a:rPr lang="es-ES" sz="6000" b="1" dirty="0"/>
+              <a:t/>
+            </a:r>
+            <a:br>
+              <a:rPr lang="es-ES" sz="6000" b="1" dirty="0"/>
+            </a:br>
+            <a:r>
+              <a:rPr lang="es-PY" sz="6000" b="1" dirty="0"/>
+              <a:t>DE</a:t>
+            </a:r>
+            <a:r>
+              <a:rPr lang="es-ES" sz="6000" b="1" dirty="0"/>
+              <a:t/>
+            </a:r>
+            <a:br>
+              <a:rPr lang="es-ES" sz="6000" b="1" dirty="0"/>
+            </a:br>
+            <a:r>
+              <a:rPr lang="es-PY" sz="6000" b="1" dirty="0"/>
+              <a:t>CONFIGURACION</a:t>
+            </a:r>
+            <a:r>
+              <a:rPr lang="es-ES" sz="11500" b="1" dirty="0"/>
+              <a:t/>
+            </a:r>
+            <a:br>
+              <a:rPr lang="es-ES" sz="11500" b="1" dirty="0"/>
+            </a:br>
+            <a:endParaRPr lang="es-PY" sz="11500" b="1" dirty="0"/>
+          </a:p>
+        </p:txBody>
+      </p:sp>
+    </p:spTree>
+    <p:extLst>
+      <p:ext uri="{BB962C8B-B14F-4D97-AF65-F5344CB8AC3E}">
+        <p14:creationId xmlns:p14="http://schemas.microsoft.com/office/powerpoint/2010/main" val="3527988828"/>
+      </p:ext>
+    </p:extLst>
+  </p:cSld>
+  <p:clrMapOvr>
+    <a:masterClrMapping/>
+  </p:clrMapOvr>
+  <p:timing>
+    <p:tnLst>
+      <p:par>
+        <p:cTn id="1" dur="indefinite" restart="never" nodeType="tmRoot"/>
+      </p:par>
+    </p:tnLst>
+  </p:timing>
+</p:sld>
+</file>
+
 <file path=ppt/slides/slide2.xml><?xml version="1.0" encoding="utf-8"?>
 <p:sld xmlns:a="http://schemas.openxmlformats.org/drawingml/2006/main" xmlns:r="http://schemas.openxmlformats.org/officeDocument/2006/relationships" xmlns:p="http://schemas.openxmlformats.org/presentationml/2006/main">
   <p:cSld>
@@ -6882,6 +7956,325 @@
     <p:extLst>
       <p:ext uri="{BB962C8B-B14F-4D97-AF65-F5344CB8AC3E}">
         <p14:creationId xmlns:p14="http://schemas.microsoft.com/office/powerpoint/2010/main" val="2867275011"/>
+      </p:ext>
+    </p:extLst>
+  </p:cSld>
+  <p:clrMapOvr>
+    <a:masterClrMapping/>
+  </p:clrMapOvr>
+  <p:timing>
+    <p:tnLst>
+      <p:par>
+        <p:cTn id="1" dur="indefinite" restart="never" nodeType="tmRoot"/>
+      </p:par>
+    </p:tnLst>
+  </p:timing>
+</p:sld>
+</file>
+
+<file path=ppt/slides/slide20.xml><?xml version="1.0" encoding="utf-8"?>
+<p:sld xmlns:a="http://schemas.openxmlformats.org/drawingml/2006/main" xmlns:r="http://schemas.openxmlformats.org/officeDocument/2006/relationships" xmlns:p="http://schemas.openxmlformats.org/presentationml/2006/main">
+  <p:cSld>
+    <p:spTree>
+      <p:nvGrpSpPr>
+        <p:cNvPr id="1" name=""/>
+        <p:cNvGrpSpPr/>
+        <p:nvPr/>
+      </p:nvGrpSpPr>
+      <p:grpSpPr>
+        <a:xfrm>
+          <a:off x="0" y="0"/>
+          <a:ext cx="0" cy="0"/>
+          <a:chOff x="0" y="0"/>
+          <a:chExt cx="0" cy="0"/>
+        </a:xfrm>
+      </p:grpSpPr>
+      <p:sp>
+        <p:nvSpPr>
+          <p:cNvPr id="3" name="Marcador de contenido 2"/>
+          <p:cNvSpPr>
+            <a:spLocks noGrp="1"/>
+          </p:cNvSpPr>
+          <p:nvPr>
+            <p:ph idx="1"/>
+          </p:nvPr>
+        </p:nvSpPr>
+        <p:spPr>
+          <a:xfrm>
+            <a:off x="1142501" y="1256084"/>
+            <a:ext cx="8946541" cy="4195481"/>
+          </a:xfrm>
+        </p:spPr>
+        <p:txBody>
+          <a:bodyPr/>
+          <a:lstStyle/>
+          <a:p>
+            <a:pPr marL="457200" lvl="1" indent="0">
+              <a:buNone/>
+            </a:pPr>
+            <a:r>
+              <a:rPr lang="es-ES" b="1" dirty="0"/>
+              <a:t>Propósito</a:t>
+            </a:r>
+            <a:endParaRPr lang="es-PY" b="1" dirty="0"/>
+          </a:p>
+          <a:p>
+            <a:r>
+              <a:rPr lang="en-US" dirty="0"/>
+              <a:t>Este </a:t>
+            </a:r>
+            <a:r>
+              <a:rPr lang="en-US" dirty="0" err="1"/>
+              <a:t>documento</a:t>
+            </a:r>
+            <a:r>
+              <a:rPr lang="en-US" dirty="0"/>
+              <a:t> describe las </a:t>
+            </a:r>
+            <a:r>
+              <a:rPr lang="en-US" dirty="0" err="1"/>
+              <a:t>actividades</a:t>
+            </a:r>
+            <a:r>
+              <a:rPr lang="en-US" dirty="0"/>
+              <a:t> de </a:t>
+            </a:r>
+            <a:r>
+              <a:rPr lang="en-US" dirty="0" err="1"/>
+              <a:t>gestión</a:t>
+            </a:r>
+            <a:r>
+              <a:rPr lang="en-US" dirty="0"/>
+              <a:t> de </a:t>
+            </a:r>
+            <a:r>
+              <a:rPr lang="en-US" dirty="0" err="1"/>
+              <a:t>configuración</a:t>
+            </a:r>
+            <a:r>
+              <a:rPr lang="en-US" dirty="0"/>
+              <a:t> de software que </a:t>
+            </a:r>
+            <a:r>
+              <a:rPr lang="en-US" dirty="0" err="1"/>
+              <a:t>deben</a:t>
+            </a:r>
+            <a:r>
+              <a:rPr lang="en-US" dirty="0"/>
+              <a:t> </a:t>
+            </a:r>
+            <a:r>
+              <a:rPr lang="en-US" dirty="0" err="1"/>
+              <a:t>ser</a:t>
+            </a:r>
+            <a:r>
+              <a:rPr lang="en-US" dirty="0"/>
+              <a:t> </a:t>
+            </a:r>
+            <a:r>
+              <a:rPr lang="en-US" dirty="0" err="1"/>
+              <a:t>llevadas</a:t>
+            </a:r>
+            <a:r>
+              <a:rPr lang="en-US" dirty="0"/>
+              <a:t> a </a:t>
+            </a:r>
+            <a:r>
+              <a:rPr lang="en-US" dirty="0" err="1"/>
+              <a:t>cabo</a:t>
+            </a:r>
+            <a:r>
+              <a:rPr lang="en-US" dirty="0"/>
+              <a:t> </a:t>
+            </a:r>
+            <a:r>
+              <a:rPr lang="en-US" dirty="0" err="1"/>
+              <a:t>durante</a:t>
+            </a:r>
+            <a:r>
+              <a:rPr lang="en-US" dirty="0"/>
+              <a:t> el </a:t>
+            </a:r>
+            <a:r>
+              <a:rPr lang="en-US" dirty="0" err="1"/>
+              <a:t>proceso</a:t>
+            </a:r>
+            <a:r>
+              <a:rPr lang="en-US" dirty="0"/>
+              <a:t> de </a:t>
+            </a:r>
+            <a:r>
+              <a:rPr lang="en-US" dirty="0" err="1"/>
+              <a:t>desarrollo</a:t>
+            </a:r>
+            <a:r>
+              <a:rPr lang="en-US" dirty="0"/>
+              <a:t> del </a:t>
+            </a:r>
+            <a:r>
+              <a:rPr lang="en-US" dirty="0" err="1"/>
+              <a:t>proyecto</a:t>
+            </a:r>
+            <a:r>
+              <a:rPr lang="en-US" dirty="0"/>
+              <a:t>. </a:t>
+            </a:r>
+            <a:r>
+              <a:rPr lang="en-US" dirty="0" err="1"/>
+              <a:t>Aquí</a:t>
+            </a:r>
+            <a:r>
+              <a:rPr lang="en-US" dirty="0"/>
+              <a:t> se </a:t>
+            </a:r>
+            <a:r>
+              <a:rPr lang="en-US" dirty="0" err="1"/>
+              <a:t>definen</a:t>
+            </a:r>
+            <a:r>
+              <a:rPr lang="en-US" dirty="0"/>
+              <a:t> </a:t>
+            </a:r>
+            <a:r>
+              <a:rPr lang="en-US" dirty="0" err="1"/>
+              <a:t>tanto</a:t>
+            </a:r>
+            <a:r>
+              <a:rPr lang="en-US" dirty="0"/>
+              <a:t> </a:t>
+            </a:r>
+            <a:r>
+              <a:rPr lang="en-US" dirty="0" err="1"/>
+              <a:t>los</a:t>
+            </a:r>
+            <a:r>
+              <a:rPr lang="en-US" dirty="0"/>
+              <a:t> </a:t>
+            </a:r>
+            <a:r>
+              <a:rPr lang="en-US" dirty="0" err="1"/>
+              <a:t>productos</a:t>
+            </a:r>
+            <a:r>
+              <a:rPr lang="en-US" dirty="0"/>
+              <a:t> que se </a:t>
+            </a:r>
+            <a:r>
+              <a:rPr lang="en-US" dirty="0" err="1"/>
+              <a:t>pondrán</a:t>
+            </a:r>
+            <a:r>
+              <a:rPr lang="en-US" dirty="0"/>
+              <a:t> </a:t>
+            </a:r>
+            <a:r>
+              <a:rPr lang="en-US" dirty="0" err="1"/>
+              <a:t>bajo</a:t>
+            </a:r>
+            <a:r>
+              <a:rPr lang="en-US" dirty="0"/>
+              <a:t> control de </a:t>
+            </a:r>
+            <a:r>
+              <a:rPr lang="en-US" dirty="0" err="1"/>
+              <a:t>configuración</a:t>
+            </a:r>
+            <a:r>
+              <a:rPr lang="en-US" dirty="0"/>
+              <a:t> </a:t>
+            </a:r>
+            <a:r>
+              <a:rPr lang="en-US" dirty="0" err="1"/>
+              <a:t>como</a:t>
+            </a:r>
+            <a:r>
+              <a:rPr lang="en-US" dirty="0"/>
+              <a:t> </a:t>
+            </a:r>
+            <a:r>
+              <a:rPr lang="en-US" dirty="0" err="1"/>
+              <a:t>los</a:t>
+            </a:r>
+            <a:r>
+              <a:rPr lang="en-US" dirty="0"/>
+              <a:t> </a:t>
+            </a:r>
+            <a:r>
+              <a:rPr lang="en-US" dirty="0" err="1"/>
+              <a:t>procedimientos</a:t>
+            </a:r>
+            <a:r>
+              <a:rPr lang="en-US" dirty="0"/>
+              <a:t> que </a:t>
+            </a:r>
+            <a:r>
+              <a:rPr lang="en-US" dirty="0" err="1"/>
+              <a:t>deben</a:t>
+            </a:r>
+            <a:r>
+              <a:rPr lang="en-US" dirty="0"/>
+              <a:t> </a:t>
+            </a:r>
+            <a:r>
+              <a:rPr lang="en-US" dirty="0" err="1"/>
+              <a:t>ser</a:t>
+            </a:r>
+            <a:r>
+              <a:rPr lang="en-US" dirty="0"/>
+              <a:t> </a:t>
+            </a:r>
+            <a:r>
+              <a:rPr lang="en-US" dirty="0" err="1"/>
+              <a:t>seguidos</a:t>
+            </a:r>
+            <a:r>
+              <a:rPr lang="en-US" dirty="0"/>
+              <a:t> </a:t>
+            </a:r>
+            <a:r>
+              <a:rPr lang="en-US" dirty="0" err="1"/>
+              <a:t>por</a:t>
+            </a:r>
+            <a:r>
+              <a:rPr lang="en-US" dirty="0"/>
+              <a:t> </a:t>
+            </a:r>
+            <a:r>
+              <a:rPr lang="en-US" dirty="0" err="1"/>
+              <a:t>los</a:t>
+            </a:r>
+            <a:r>
+              <a:rPr lang="en-US" dirty="0"/>
+              <a:t> </a:t>
+            </a:r>
+            <a:r>
+              <a:rPr lang="en-US" dirty="0" err="1"/>
+              <a:t>integrantes</a:t>
+            </a:r>
+            <a:r>
+              <a:rPr lang="en-US" dirty="0"/>
+              <a:t> del </a:t>
+            </a:r>
+            <a:r>
+              <a:rPr lang="en-US" dirty="0" err="1"/>
+              <a:t>equipo</a:t>
+            </a:r>
+            <a:r>
+              <a:rPr lang="en-US" dirty="0"/>
+              <a:t> de </a:t>
+            </a:r>
+            <a:r>
+              <a:rPr lang="en-US" dirty="0" err="1"/>
+              <a:t>trabajo</a:t>
+            </a:r>
+            <a:endParaRPr lang="es-PY" dirty="0"/>
+          </a:p>
+        </p:txBody>
+      </p:sp>
+    </p:spTree>
+    <p:extLst>
+      <p:ext uri="{BB962C8B-B14F-4D97-AF65-F5344CB8AC3E}">
+        <p14:creationId xmlns:p14="http://schemas.microsoft.com/office/powerpoint/2010/main" val="2836822732"/>
       </p:ext>
     </p:extLst>
   </p:cSld>
@@ -7309,6 +8702,13 @@
   <p:clrMapOvr>
     <a:masterClrMapping/>
   </p:clrMapOvr>
+  <p:timing>
+    <p:tnLst>
+      <p:par>
+        <p:cTn id="1" dur="indefinite" restart="never" nodeType="tmRoot"/>
+      </p:par>
+    </p:tnLst>
+  </p:timing>
 </p:sld>
 </file>
 
@@ -7339,12 +8739,21 @@
             <p:ph type="title"/>
           </p:nvPr>
         </p:nvSpPr>
-        <p:spPr/>
+        <p:spPr>
+          <a:xfrm>
+            <a:off x="3652826" y="361278"/>
+            <a:ext cx="3847512" cy="997259"/>
+          </a:xfrm>
+        </p:spPr>
         <p:txBody>
           <a:bodyPr/>
           <a:lstStyle/>
           <a:p>
-            <a:endParaRPr lang="es-PY"/>
+            <a:r>
+              <a:rPr lang="es-PY" b="1" dirty="0" smtClean="0"/>
+              <a:t>VIABILIDAD</a:t>
+            </a:r>
+            <a:endParaRPr lang="es-PY" b="1" dirty="0"/>
           </a:p>
         </p:txBody>
       </p:sp>
@@ -7358,12 +8767,66 @@
             <p:ph idx="1"/>
           </p:nvPr>
         </p:nvSpPr>
-        <p:spPr/>
-        <p:txBody>
-          <a:bodyPr/>
+        <p:spPr>
+          <a:xfrm>
+            <a:off x="1103311" y="1726346"/>
+            <a:ext cx="8946541" cy="4195481"/>
+          </a:xfrm>
+        </p:spPr>
+        <p:txBody>
+          <a:bodyPr>
+            <a:normAutofit fontScale="92500" lnSpcReduction="10000"/>
+          </a:bodyPr>
           <a:lstStyle/>
           <a:p>
-            <a:endParaRPr lang="es-PY"/>
+            <a:endParaRPr lang="es-PY" dirty="0"/>
+          </a:p>
+          <a:p>
+            <a:pPr lvl="1" fontAlgn="base"/>
+            <a:r>
+              <a:rPr lang="es-PY" dirty="0"/>
+              <a:t>Operacional : Es viable operacionalmente ya que podría ser utilizado fácilmente tanto por el alumno como por la persona que esté a cargo de manipular el sistema (administrador-secretarios)  con un mínimo de instrucciones que serán dadas por el mismo sistema o por una persona capacitada para su uso.</a:t>
+            </a:r>
+            <a:endParaRPr lang="es-PY" sz="1600" dirty="0"/>
+          </a:p>
+          <a:p>
+            <a:pPr marL="0" indent="0">
+              <a:buNone/>
+            </a:pPr>
+            <a:r>
+              <a:rPr lang="es-PY" dirty="0"/>
+              <a:t> </a:t>
+            </a:r>
+            <a:endParaRPr lang="es-PY" sz="1800" dirty="0"/>
+          </a:p>
+          <a:p>
+            <a:pPr lvl="1" fontAlgn="base"/>
+            <a:r>
+              <a:rPr lang="es-PY" dirty="0"/>
+              <a:t>Técnica: Es viable técnicamente ya que el software podría ser diseñado, implementado, operado y mantenido. </a:t>
+            </a:r>
+            <a:endParaRPr lang="es-PY" sz="1600" dirty="0"/>
+          </a:p>
+          <a:p>
+            <a:pPr marL="0" indent="0">
+              <a:buNone/>
+            </a:pPr>
+            <a:r>
+              <a:rPr lang="es-PY" dirty="0"/>
+              <a:t> </a:t>
+            </a:r>
+            <a:endParaRPr lang="es-PY" sz="1800" dirty="0"/>
+          </a:p>
+          <a:p>
+            <a:pPr lvl="1" fontAlgn="base"/>
+            <a:r>
+              <a:rPr lang="es-PY" dirty="0"/>
+              <a:t>Económica: Es viable económicamente ya que los equipamientos tecnológicos  requeridos para el desarrollo del mismo no son muy costosos. Con las computadoras existentes ya es posible manipular el sistema lo que lo hace más adquisitivo económicamente.</a:t>
+            </a:r>
+            <a:endParaRPr lang="es-PY" sz="1600" dirty="0"/>
+          </a:p>
+          <a:p>
+            <a:endParaRPr lang="es-PY" dirty="0"/>
           </a:p>
         </p:txBody>
       </p:sp>
@@ -7377,6 +8840,349 @@
   <p:clrMapOvr>
     <a:masterClrMapping/>
   </p:clrMapOvr>
+  <p:timing>
+    <p:tnLst>
+      <p:par>
+        <p:cTn id="1" dur="indefinite" restart="never" nodeType="tmRoot"/>
+      </p:par>
+    </p:tnLst>
+  </p:timing>
+</p:sld>
+</file>
+
+<file path=ppt/slides/slide7.xml><?xml version="1.0" encoding="utf-8"?>
+<p:sld xmlns:a="http://schemas.openxmlformats.org/drawingml/2006/main" xmlns:r="http://schemas.openxmlformats.org/officeDocument/2006/relationships" xmlns:p="http://schemas.openxmlformats.org/presentationml/2006/main">
+  <p:cSld>
+    <p:spTree>
+      <p:nvGrpSpPr>
+        <p:cNvPr id="1" name=""/>
+        <p:cNvGrpSpPr/>
+        <p:nvPr/>
+      </p:nvGrpSpPr>
+      <p:grpSpPr>
+        <a:xfrm>
+          <a:off x="0" y="0"/>
+          <a:ext cx="0" cy="0"/>
+          <a:chOff x="0" y="0"/>
+          <a:chExt cx="0" cy="0"/>
+        </a:xfrm>
+      </p:grpSpPr>
+      <p:sp>
+        <p:nvSpPr>
+          <p:cNvPr id="4" name="Título 1"/>
+          <p:cNvSpPr txBox="1">
+            <a:spLocks/>
+          </p:cNvSpPr>
+          <p:nvPr/>
+        </p:nvSpPr>
+        <p:spPr>
+          <a:xfrm>
+            <a:off x="2103121" y="2573384"/>
+            <a:ext cx="7798525" cy="1436914"/>
+          </a:xfrm>
+          <a:prstGeom prst="rect">
+            <a:avLst/>
+          </a:prstGeom>
+        </p:spPr>
+        <p:txBody>
+          <a:bodyPr vert="horz" lIns="91440" tIns="45720" rIns="91440" bIns="45720" rtlCol="0" anchor="t">
+            <a:noAutofit/>
+          </a:bodyPr>
+          <a:lstStyle>
+            <a:lvl1pPr algn="l" defTabSz="457200" rtl="0" eaLnBrk="1" latinLnBrk="0" hangingPunct="1">
+              <a:spcBef>
+                <a:spcPct val="0"/>
+              </a:spcBef>
+              <a:buNone/>
+              <a:defRPr sz="4200" b="0" i="0" kern="1200">
+                <a:solidFill>
+                  <a:schemeClr val="tx2"/>
+                </a:solidFill>
+                <a:latin typeface="+mj-lt"/>
+                <a:ea typeface="+mj-ea"/>
+                <a:cs typeface="+mj-cs"/>
+              </a:defRPr>
+            </a:lvl1pPr>
+            <a:lvl2pPr eaLnBrk="1" hangingPunct="1">
+              <a:defRPr>
+                <a:solidFill>
+                  <a:schemeClr val="tx2"/>
+                </a:solidFill>
+              </a:defRPr>
+            </a:lvl2pPr>
+            <a:lvl3pPr eaLnBrk="1" hangingPunct="1">
+              <a:defRPr>
+                <a:solidFill>
+                  <a:schemeClr val="tx2"/>
+                </a:solidFill>
+              </a:defRPr>
+            </a:lvl3pPr>
+            <a:lvl4pPr eaLnBrk="1" hangingPunct="1">
+              <a:defRPr>
+                <a:solidFill>
+                  <a:schemeClr val="tx2"/>
+                </a:solidFill>
+              </a:defRPr>
+            </a:lvl4pPr>
+            <a:lvl5pPr eaLnBrk="1" hangingPunct="1">
+              <a:defRPr>
+                <a:solidFill>
+                  <a:schemeClr val="tx2"/>
+                </a:solidFill>
+              </a:defRPr>
+            </a:lvl5pPr>
+            <a:lvl6pPr eaLnBrk="1" hangingPunct="1">
+              <a:defRPr>
+                <a:solidFill>
+                  <a:schemeClr val="tx2"/>
+                </a:solidFill>
+              </a:defRPr>
+            </a:lvl6pPr>
+            <a:lvl7pPr eaLnBrk="1" hangingPunct="1">
+              <a:defRPr>
+                <a:solidFill>
+                  <a:schemeClr val="tx2"/>
+                </a:solidFill>
+              </a:defRPr>
+            </a:lvl7pPr>
+            <a:lvl8pPr eaLnBrk="1" hangingPunct="1">
+              <a:defRPr>
+                <a:solidFill>
+                  <a:schemeClr val="tx2"/>
+                </a:solidFill>
+              </a:defRPr>
+            </a:lvl8pPr>
+            <a:lvl9pPr eaLnBrk="1" hangingPunct="1">
+              <a:defRPr>
+                <a:solidFill>
+                  <a:schemeClr val="tx2"/>
+                </a:solidFill>
+              </a:defRPr>
+            </a:lvl9pPr>
+          </a:lstStyle>
+          <a:p>
+            <a:r>
+              <a:rPr lang="es-PY" sz="7200" b="1" dirty="0" smtClean="0"/>
+              <a:t>REQUERIMIENTOS</a:t>
+            </a:r>
+            <a:endParaRPr lang="es-PY" sz="7200" b="1" dirty="0"/>
+          </a:p>
+        </p:txBody>
+      </p:sp>
+    </p:spTree>
+    <p:extLst>
+      <p:ext uri="{BB962C8B-B14F-4D97-AF65-F5344CB8AC3E}">
+        <p14:creationId xmlns:p14="http://schemas.microsoft.com/office/powerpoint/2010/main" val="1970369520"/>
+      </p:ext>
+    </p:extLst>
+  </p:cSld>
+  <p:clrMapOvr>
+    <a:masterClrMapping/>
+  </p:clrMapOvr>
+  <p:timing>
+    <p:tnLst>
+      <p:par>
+        <p:cTn id="1" dur="indefinite" restart="never" nodeType="tmRoot"/>
+      </p:par>
+    </p:tnLst>
+  </p:timing>
+</p:sld>
+</file>
+
+<file path=ppt/slides/slide8.xml><?xml version="1.0" encoding="utf-8"?>
+<p:sld xmlns:a="http://schemas.openxmlformats.org/drawingml/2006/main" xmlns:r="http://schemas.openxmlformats.org/officeDocument/2006/relationships" xmlns:p="http://schemas.openxmlformats.org/presentationml/2006/main">
+  <p:cSld>
+    <p:spTree>
+      <p:nvGrpSpPr>
+        <p:cNvPr id="1" name=""/>
+        <p:cNvGrpSpPr/>
+        <p:nvPr/>
+      </p:nvGrpSpPr>
+      <p:grpSpPr>
+        <a:xfrm>
+          <a:off x="0" y="0"/>
+          <a:ext cx="0" cy="0"/>
+          <a:chOff x="0" y="0"/>
+          <a:chExt cx="0" cy="0"/>
+        </a:xfrm>
+      </p:grpSpPr>
+      <p:sp>
+        <p:nvSpPr>
+          <p:cNvPr id="3" name="Marcador de contenido 2"/>
+          <p:cNvSpPr>
+            <a:spLocks noGrp="1"/>
+          </p:cNvSpPr>
+          <p:nvPr>
+            <p:ph idx="1"/>
+          </p:nvPr>
+        </p:nvSpPr>
+        <p:spPr>
+          <a:xfrm>
+            <a:off x="1233942" y="1243020"/>
+            <a:ext cx="9177155" cy="4308694"/>
+          </a:xfrm>
+        </p:spPr>
+        <p:txBody>
+          <a:bodyPr/>
+          <a:lstStyle/>
+          <a:p>
+            <a:pPr marL="0" indent="0">
+              <a:buNone/>
+            </a:pPr>
+            <a:r>
+              <a:rPr lang="es-PY" b="1" dirty="0"/>
+              <a:t>Identificar  actividad del sistema</a:t>
+            </a:r>
+            <a:r>
+              <a:rPr lang="es-PY" b="1" dirty="0" smtClean="0"/>
+              <a:t>:</a:t>
+            </a:r>
+            <a:r>
+              <a:rPr lang="es-PY" dirty="0"/>
+              <a:t> </a:t>
+            </a:r>
+          </a:p>
+          <a:p>
+            <a:r>
+              <a:rPr lang="es-PY" dirty="0"/>
+              <a:t>a.    Registrar usuario.</a:t>
+            </a:r>
+          </a:p>
+          <a:p>
+            <a:r>
+              <a:rPr lang="es-PY" dirty="0"/>
+              <a:t>b.   Ingresar al sistema.</a:t>
+            </a:r>
+          </a:p>
+          <a:p>
+            <a:r>
+              <a:rPr lang="es-PY" dirty="0"/>
+              <a:t>c.    Cargar noticias, anuncios, acontecimientos y/o eventos.</a:t>
+            </a:r>
+          </a:p>
+          <a:p>
+            <a:r>
+              <a:rPr lang="es-PY" dirty="0"/>
+              <a:t>d.    Publicar noticia cargada.</a:t>
+            </a:r>
+          </a:p>
+          <a:p>
+            <a:r>
+              <a:rPr lang="es-PY" dirty="0"/>
+              <a:t>e.   Va la notificación al alumno.</a:t>
+            </a:r>
+          </a:p>
+          <a:p>
+            <a:r>
+              <a:rPr lang="es-PY" dirty="0"/>
+              <a:t>f.   El alumno se </a:t>
+            </a:r>
+            <a:r>
+              <a:rPr lang="es-PY" dirty="0" err="1"/>
+              <a:t>loguea</a:t>
+            </a:r>
+            <a:r>
+              <a:rPr lang="es-PY" dirty="0"/>
+              <a:t> e ingresa a F5FACAT.</a:t>
+            </a:r>
+          </a:p>
+          <a:p>
+            <a:r>
+              <a:rPr lang="es-PY" dirty="0"/>
+              <a:t>g.  El alumno visualiza la noticia en su mural.</a:t>
+            </a:r>
+          </a:p>
+          <a:p>
+            <a:endParaRPr lang="es-PY" dirty="0"/>
+          </a:p>
+        </p:txBody>
+      </p:sp>
+    </p:spTree>
+    <p:extLst>
+      <p:ext uri="{BB962C8B-B14F-4D97-AF65-F5344CB8AC3E}">
+        <p14:creationId xmlns:p14="http://schemas.microsoft.com/office/powerpoint/2010/main" val="4262293572"/>
+      </p:ext>
+    </p:extLst>
+  </p:cSld>
+  <p:clrMapOvr>
+    <a:masterClrMapping/>
+  </p:clrMapOvr>
+  <p:timing>
+    <p:tnLst>
+      <p:par>
+        <p:cTn id="1" dur="indefinite" restart="never" nodeType="tmRoot"/>
+      </p:par>
+    </p:tnLst>
+  </p:timing>
+</p:sld>
+</file>
+
+<file path=ppt/slides/slide9.xml><?xml version="1.0" encoding="utf-8"?>
+<p:sld xmlns:a="http://schemas.openxmlformats.org/drawingml/2006/main" xmlns:r="http://schemas.openxmlformats.org/officeDocument/2006/relationships" xmlns:p="http://schemas.openxmlformats.org/presentationml/2006/main">
+  <p:cSld>
+    <p:spTree>
+      <p:nvGrpSpPr>
+        <p:cNvPr id="1" name=""/>
+        <p:cNvGrpSpPr/>
+        <p:nvPr/>
+      </p:nvGrpSpPr>
+      <p:grpSpPr>
+        <a:xfrm>
+          <a:off x="0" y="0"/>
+          <a:ext cx="0" cy="0"/>
+          <a:chOff x="0" y="0"/>
+          <a:chExt cx="0" cy="0"/>
+        </a:xfrm>
+      </p:grpSpPr>
+      <p:pic>
+        <p:nvPicPr>
+          <p:cNvPr id="4" name="Marcador de contenido 3"/>
+          <p:cNvPicPr>
+            <a:picLocks noGrp="1" noChangeAspect="1"/>
+          </p:cNvPicPr>
+          <p:nvPr>
+            <p:ph idx="1"/>
+          </p:nvPr>
+        </p:nvPicPr>
+        <p:blipFill>
+          <a:blip r:embed="rId2">
+            <a:extLst>
+              <a:ext uri="{28A0092B-C50C-407E-A947-70E740481C1C}">
+                <a14:useLocalDpi xmlns:a14="http://schemas.microsoft.com/office/drawing/2010/main" val="0"/>
+              </a:ext>
+            </a:extLst>
+          </a:blip>
+          <a:stretch>
+            <a:fillRect/>
+          </a:stretch>
+        </p:blipFill>
+        <p:spPr>
+          <a:xfrm>
+            <a:off x="2752357" y="152354"/>
+            <a:ext cx="6587586" cy="6561954"/>
+          </a:xfrm>
+          <a:prstGeom prst="rect">
+            <a:avLst/>
+          </a:prstGeom>
+        </p:spPr>
+      </p:pic>
+    </p:spTree>
+    <p:extLst>
+      <p:ext uri="{BB962C8B-B14F-4D97-AF65-F5344CB8AC3E}">
+        <p14:creationId xmlns:p14="http://schemas.microsoft.com/office/powerpoint/2010/main" val="3727538051"/>
+      </p:ext>
+    </p:extLst>
+  </p:cSld>
+  <p:clrMapOvr>
+    <a:masterClrMapping/>
+  </p:clrMapOvr>
+  <p:timing>
+    <p:tnLst>
+      <p:par>
+        <p:cTn id="1" dur="indefinite" restart="never" nodeType="tmRoot"/>
+      </p:par>
+    </p:tnLst>
+  </p:timing>
 </p:sld>
 </file>
 

--- a/Documentos/F5 Facat(Final).pptx
+++ b/Documentos/F5 Facat(Final).pptx
@@ -13,18 +13,20 @@
     <p:sldId id="261" r:id="rId7"/>
     <p:sldId id="262" r:id="rId8"/>
     <p:sldId id="263" r:id="rId9"/>
-    <p:sldId id="264" r:id="rId10"/>
-    <p:sldId id="265" r:id="rId11"/>
-    <p:sldId id="266" r:id="rId12"/>
-    <p:sldId id="267" r:id="rId13"/>
-    <p:sldId id="268" r:id="rId14"/>
-    <p:sldId id="269" r:id="rId15"/>
-    <p:sldId id="270" r:id="rId16"/>
-    <p:sldId id="271" r:id="rId17"/>
-    <p:sldId id="273" r:id="rId18"/>
-    <p:sldId id="274" r:id="rId19"/>
-    <p:sldId id="275" r:id="rId20"/>
-    <p:sldId id="276" r:id="rId21"/>
+    <p:sldId id="265" r:id="rId10"/>
+    <p:sldId id="277" r:id="rId11"/>
+    <p:sldId id="264" r:id="rId12"/>
+    <p:sldId id="266" r:id="rId13"/>
+    <p:sldId id="267" r:id="rId14"/>
+    <p:sldId id="268" r:id="rId15"/>
+    <p:sldId id="269" r:id="rId16"/>
+    <p:sldId id="270" r:id="rId17"/>
+    <p:sldId id="278" r:id="rId18"/>
+    <p:sldId id="271" r:id="rId19"/>
+    <p:sldId id="273" r:id="rId20"/>
+    <p:sldId id="274" r:id="rId21"/>
+    <p:sldId id="275" r:id="rId22"/>
+    <p:sldId id="276" r:id="rId23"/>
   </p:sldIdLst>
   <p:sldSz cx="12192000" cy="6858000"/>
   <p:notesSz cx="6858000" cy="9144000"/>
@@ -314,7 +316,7 @@
           <a:p>
             <a:fld id="{4AAD347D-5ACD-4C99-B74B-A9C85AD731AF}" type="datetimeFigureOut">
               <a:rPr lang="en-US" dirty="0"/>
-              <a:t>8/5/2016</a:t>
+              <a:t>8/19/2016</a:t>
             </a:fld>
             <a:endParaRPr lang="en-US" dirty="0"/>
           </a:p>
@@ -584,7 +586,7 @@
           <a:p>
             <a:fld id="{4509A250-FF31-4206-8172-F9D3106AACB1}" type="datetimeFigureOut">
               <a:rPr lang="en-US" dirty="0"/>
-              <a:t>8/5/2016</a:t>
+              <a:t>8/19/2016</a:t>
             </a:fld>
             <a:endParaRPr lang="en-US" dirty="0"/>
           </a:p>
@@ -773,7 +775,7 @@
           <a:p>
             <a:fld id="{4509A250-FF31-4206-8172-F9D3106AACB1}" type="datetimeFigureOut">
               <a:rPr lang="en-US" dirty="0"/>
-              <a:t>8/5/2016</a:t>
+              <a:t>8/19/2016</a:t>
             </a:fld>
             <a:endParaRPr lang="en-US" dirty="0"/>
           </a:p>
@@ -1036,7 +1038,7 @@
           <a:p>
             <a:fld id="{4509A250-FF31-4206-8172-F9D3106AACB1}" type="datetimeFigureOut">
               <a:rPr lang="en-US" dirty="0"/>
-              <a:t>8/5/2016</a:t>
+              <a:t>8/19/2016</a:t>
             </a:fld>
             <a:endParaRPr lang="en-US" dirty="0"/>
           </a:p>
@@ -1363,7 +1365,7 @@
           <a:p>
             <a:fld id="{4509A250-FF31-4206-8172-F9D3106AACB1}" type="datetimeFigureOut">
               <a:rPr lang="en-US" dirty="0"/>
-              <a:t>8/5/2016</a:t>
+              <a:t>8/19/2016</a:t>
             </a:fld>
             <a:endParaRPr lang="en-US" dirty="0"/>
           </a:p>
@@ -1968,7 +1970,7 @@
           <a:p>
             <a:fld id="{4509A250-FF31-4206-8172-F9D3106AACB1}" type="datetimeFigureOut">
               <a:rPr lang="en-US" dirty="0"/>
-              <a:t>8/5/2016</a:t>
+              <a:t>8/19/2016</a:t>
             </a:fld>
             <a:endParaRPr lang="en-US" dirty="0"/>
           </a:p>
@@ -2810,7 +2812,7 @@
           <a:p>
             <a:fld id="{4509A250-FF31-4206-8172-F9D3106AACB1}" type="datetimeFigureOut">
               <a:rPr lang="en-US" dirty="0"/>
-              <a:t>8/5/2016</a:t>
+              <a:t>8/19/2016</a:t>
             </a:fld>
             <a:endParaRPr lang="en-US" dirty="0"/>
           </a:p>
@@ -2975,7 +2977,7 @@
           <a:p>
             <a:fld id="{4509A250-FF31-4206-8172-F9D3106AACB1}" type="datetimeFigureOut">
               <a:rPr lang="en-US" dirty="0"/>
-              <a:t>8/5/2016</a:t>
+              <a:t>8/19/2016</a:t>
             </a:fld>
             <a:endParaRPr lang="en-US" dirty="0"/>
           </a:p>
@@ -3150,7 +3152,7 @@
           <a:p>
             <a:fld id="{4509A250-FF31-4206-8172-F9D3106AACB1}" type="datetimeFigureOut">
               <a:rPr lang="en-US" dirty="0"/>
-              <a:t>8/5/2016</a:t>
+              <a:t>8/19/2016</a:t>
             </a:fld>
             <a:endParaRPr lang="en-US" dirty="0"/>
           </a:p>
@@ -3315,7 +3317,7 @@
           <a:p>
             <a:fld id="{4509A250-FF31-4206-8172-F9D3106AACB1}" type="datetimeFigureOut">
               <a:rPr lang="en-US" dirty="0"/>
-              <a:t>8/5/2016</a:t>
+              <a:t>8/19/2016</a:t>
             </a:fld>
             <a:endParaRPr lang="en-US" dirty="0"/>
           </a:p>
@@ -3554,7 +3556,7 @@
           <a:p>
             <a:fld id="{4509A250-FF31-4206-8172-F9D3106AACB1}" type="datetimeFigureOut">
               <a:rPr lang="en-US" dirty="0"/>
-              <a:t>8/5/2016</a:t>
+              <a:t>8/19/2016</a:t>
             </a:fld>
             <a:endParaRPr lang="en-US" dirty="0"/>
           </a:p>
@@ -3841,7 +3843,7 @@
           <a:p>
             <a:fld id="{4509A250-FF31-4206-8172-F9D3106AACB1}" type="datetimeFigureOut">
               <a:rPr lang="en-US" dirty="0"/>
-              <a:t>8/5/2016</a:t>
+              <a:t>8/19/2016</a:t>
             </a:fld>
             <a:endParaRPr lang="en-US" dirty="0"/>
           </a:p>
@@ -4274,7 +4276,7 @@
           <a:p>
             <a:fld id="{4509A250-FF31-4206-8172-F9D3106AACB1}" type="datetimeFigureOut">
               <a:rPr lang="en-US" dirty="0"/>
-              <a:t>8/5/2016</a:t>
+              <a:t>8/19/2016</a:t>
             </a:fld>
             <a:endParaRPr lang="en-US" dirty="0"/>
           </a:p>
@@ -4387,7 +4389,7 @@
           <a:p>
             <a:fld id="{4509A250-FF31-4206-8172-F9D3106AACB1}" type="datetimeFigureOut">
               <a:rPr lang="en-US" dirty="0"/>
-              <a:t>8/5/2016</a:t>
+              <a:t>8/19/2016</a:t>
             </a:fld>
             <a:endParaRPr lang="en-US" dirty="0"/>
           </a:p>
@@ -4477,7 +4479,7 @@
           <a:p>
             <a:fld id="{4509A250-FF31-4206-8172-F9D3106AACB1}" type="datetimeFigureOut">
               <a:rPr lang="en-US" dirty="0"/>
-              <a:t>8/5/2016</a:t>
+              <a:t>8/19/2016</a:t>
             </a:fld>
             <a:endParaRPr lang="en-US" dirty="0"/>
           </a:p>
@@ -4751,7 +4753,7 @@
           <a:p>
             <a:fld id="{4509A250-FF31-4206-8172-F9D3106AACB1}" type="datetimeFigureOut">
               <a:rPr lang="en-US" dirty="0"/>
-              <a:t>8/5/2016</a:t>
+              <a:t>8/19/2016</a:t>
             </a:fld>
             <a:endParaRPr lang="en-US" dirty="0"/>
           </a:p>
@@ -5021,7 +5023,7 @@
           <a:p>
             <a:fld id="{4509A250-FF31-4206-8172-F9D3106AACB1}" type="datetimeFigureOut">
               <a:rPr lang="en-US" dirty="0"/>
-              <a:t>8/5/2016</a:t>
+              <a:t>8/19/2016</a:t>
             </a:fld>
             <a:endParaRPr lang="en-US" dirty="0"/>
           </a:p>
@@ -5445,7 +5447,7 @@
           <a:p>
             <a:fld id="{4509A250-FF31-4206-8172-F9D3106AACB1}" type="datetimeFigureOut">
               <a:rPr lang="en-US" dirty="0"/>
-              <a:t>8/5/2016</a:t>
+              <a:t>8/19/2016</a:t>
             </a:fld>
             <a:endParaRPr lang="en-US" dirty="0"/>
           </a:p>
@@ -6795,9 +6797,37 @@
           <a:chExt cx="0" cy="0"/>
         </a:xfrm>
       </p:grpSpPr>
+      <p:sp>
+        <p:nvSpPr>
+          <p:cNvPr id="5" name="Título 1"/>
+          <p:cNvSpPr>
+            <a:spLocks noGrp="1"/>
+          </p:cNvSpPr>
+          <p:nvPr>
+            <p:ph type="title"/>
+          </p:nvPr>
+        </p:nvSpPr>
+        <p:spPr>
+          <a:xfrm>
+            <a:off x="1040255" y="60832"/>
+            <a:ext cx="7868614" cy="997259"/>
+          </a:xfrm>
+        </p:spPr>
+        <p:txBody>
+          <a:bodyPr/>
+          <a:lstStyle/>
+          <a:p>
+            <a:r>
+              <a:rPr lang="es-PY" b="1" dirty="0" smtClean="0"/>
+              <a:t>MODELO DE CASO DE USO</a:t>
+            </a:r>
+            <a:endParaRPr lang="es-PY" b="1" dirty="0"/>
+          </a:p>
+        </p:txBody>
+      </p:sp>
       <p:pic>
         <p:nvPicPr>
-          <p:cNvPr id="4" name="Marcador de contenido 3"/>
+          <p:cNvPr id="3" name="Marcador de contenido 2"/>
           <p:cNvPicPr>
             <a:picLocks noGrp="1" noChangeAspect="1"/>
           </p:cNvPicPr>
@@ -6819,76 +6849,15 @@
         </p:blipFill>
         <p:spPr>
           <a:xfrm>
-            <a:off x="646533" y="1058091"/>
-            <a:ext cx="5440758" cy="5445793"/>
+            <a:off x="2526151" y="1058091"/>
+            <a:ext cx="6265152" cy="5276254"/>
           </a:xfrm>
-          <a:prstGeom prst="rect">
-            <a:avLst/>
-          </a:prstGeom>
-        </p:spPr>
-      </p:pic>
-      <p:sp>
-        <p:nvSpPr>
-          <p:cNvPr id="5" name="Título 1"/>
-          <p:cNvSpPr>
-            <a:spLocks noGrp="1"/>
-          </p:cNvSpPr>
-          <p:nvPr>
-            <p:ph type="title"/>
-          </p:nvPr>
-        </p:nvSpPr>
-        <p:spPr>
-          <a:xfrm>
-            <a:off x="1040255" y="60832"/>
-            <a:ext cx="7868614" cy="997259"/>
-          </a:xfrm>
-        </p:spPr>
-        <p:txBody>
-          <a:bodyPr/>
-          <a:lstStyle/>
-          <a:p>
-            <a:r>
-              <a:rPr lang="es-PY" b="1" dirty="0" smtClean="0"/>
-              <a:t>MODELO DE CASO DE USO</a:t>
-            </a:r>
-            <a:endParaRPr lang="es-PY" b="1" dirty="0"/>
-          </a:p>
-        </p:txBody>
-      </p:sp>
-      <p:pic>
-        <p:nvPicPr>
-          <p:cNvPr id="6" name="Marcador de contenido 3"/>
-          <p:cNvPicPr>
-            <a:picLocks noChangeAspect="1"/>
-          </p:cNvPicPr>
-          <p:nvPr/>
-        </p:nvPicPr>
-        <p:blipFill>
-          <a:blip r:embed="rId3">
-            <a:extLst>
-              <a:ext uri="{28A0092B-C50C-407E-A947-70E740481C1C}">
-                <a14:useLocalDpi xmlns:a14="http://schemas.microsoft.com/office/drawing/2010/main" val="0"/>
-              </a:ext>
-            </a:extLst>
-          </a:blip>
-          <a:stretch>
-            <a:fillRect/>
-          </a:stretch>
-        </p:blipFill>
-        <p:spPr>
-          <a:xfrm>
-            <a:off x="6450403" y="2502813"/>
-            <a:ext cx="4313819" cy="2643953"/>
-          </a:xfrm>
-          <a:prstGeom prst="rect">
-            <a:avLst/>
-          </a:prstGeom>
         </p:spPr>
       </p:pic>
     </p:spTree>
     <p:extLst>
       <p:ext uri="{BB962C8B-B14F-4D97-AF65-F5344CB8AC3E}">
-        <p14:creationId xmlns:p14="http://schemas.microsoft.com/office/powerpoint/2010/main" val="1586590032"/>
+        <p14:creationId xmlns:p14="http://schemas.microsoft.com/office/powerpoint/2010/main" val="54798191"/>
       </p:ext>
     </p:extLst>
   </p:cSld>
@@ -6922,36 +6891,15 @@
           <a:chExt cx="0" cy="0"/>
         </a:xfrm>
       </p:grpSpPr>
-      <p:sp>
-        <p:nvSpPr>
-          <p:cNvPr id="2" name="Título 1"/>
-          <p:cNvSpPr>
-            <a:spLocks noGrp="1"/>
-          </p:cNvSpPr>
-          <p:nvPr>
-            <p:ph type="title"/>
-          </p:nvPr>
-        </p:nvSpPr>
-        <p:spPr/>
-        <p:txBody>
-          <a:bodyPr/>
-          <a:lstStyle/>
-          <a:p>
-            <a:r>
-              <a:rPr lang="es-ES" b="1" dirty="0"/>
-              <a:t>DIAGRAMA DE ACTIVIDADES</a:t>
-            </a:r>
-            <a:endParaRPr lang="es-PY" dirty="0"/>
-          </a:p>
-        </p:txBody>
-      </p:sp>
       <p:pic>
         <p:nvPicPr>
-          <p:cNvPr id="4" name="Imagen 3"/>
+          <p:cNvPr id="4" name="Marcador de contenido 3"/>
           <p:cNvPicPr>
-            <a:picLocks noChangeAspect="1"/>
+            <a:picLocks noGrp="1" noChangeAspect="1"/>
           </p:cNvPicPr>
-          <p:nvPr/>
+          <p:nvPr>
+            <p:ph idx="1"/>
+          </p:nvPr>
         </p:nvPicPr>
         <p:blipFill>
           <a:blip r:embed="rId2">
@@ -6967,8 +6915,8 @@
         </p:blipFill>
         <p:spPr>
           <a:xfrm>
-            <a:off x="1254633" y="1516072"/>
-            <a:ext cx="9274030" cy="4523490"/>
+            <a:off x="2752357" y="152354"/>
+            <a:ext cx="6587586" cy="6561954"/>
           </a:xfrm>
           <a:prstGeom prst="rect">
             <a:avLst/>
@@ -6978,7 +6926,7 @@
     </p:spTree>
     <p:extLst>
       <p:ext uri="{BB962C8B-B14F-4D97-AF65-F5344CB8AC3E}">
-        <p14:creationId xmlns:p14="http://schemas.microsoft.com/office/powerpoint/2010/main" val="1799874301"/>
+        <p14:creationId xmlns:p14="http://schemas.microsoft.com/office/powerpoint/2010/main" val="3727538051"/>
       </p:ext>
     </p:extLst>
   </p:cSld>
@@ -7028,47 +6976,17 @@
           <a:lstStyle/>
           <a:p>
             <a:r>
-              <a:rPr lang="es-PY" b="1" dirty="0" smtClean="0"/>
-              <a:t>DIAGRAMA DE ESTADOS</a:t>
-            </a:r>
-            <a:endParaRPr lang="es-PY" b="1" dirty="0"/>
-          </a:p>
-        </p:txBody>
-      </p:sp>
-      <p:pic>
-        <p:nvPicPr>
-          <p:cNvPr id="4" name="Imagen 3"/>
-          <p:cNvPicPr>
-            <a:picLocks noChangeAspect="1"/>
-          </p:cNvPicPr>
-          <p:nvPr/>
-        </p:nvPicPr>
-        <p:blipFill>
-          <a:blip r:embed="rId2">
-            <a:extLst>
-              <a:ext uri="{28A0092B-C50C-407E-A947-70E740481C1C}">
-                <a14:useLocalDpi xmlns:a14="http://schemas.microsoft.com/office/drawing/2010/main" val="0"/>
-              </a:ext>
-            </a:extLst>
-          </a:blip>
-          <a:stretch>
-            <a:fillRect/>
-          </a:stretch>
-        </p:blipFill>
-        <p:spPr>
-          <a:xfrm>
-            <a:off x="1294905" y="1853248"/>
-            <a:ext cx="8581434" cy="2674732"/>
-          </a:xfrm>
-          <a:prstGeom prst="rect">
-            <a:avLst/>
-          </a:prstGeom>
-        </p:spPr>
-      </p:pic>
+              <a:rPr lang="es-ES" b="1" dirty="0"/>
+              <a:t>DIAGRAMA DE ACTIVIDADES</a:t>
+            </a:r>
+            <a:endParaRPr lang="es-PY" dirty="0"/>
+          </a:p>
+        </p:txBody>
+      </p:sp>
     </p:spTree>
     <p:extLst>
       <p:ext uri="{BB962C8B-B14F-4D97-AF65-F5344CB8AC3E}">
-        <p14:creationId xmlns:p14="http://schemas.microsoft.com/office/powerpoint/2010/main" val="3299755159"/>
+        <p14:creationId xmlns:p14="http://schemas.microsoft.com/office/powerpoint/2010/main" val="1799874301"/>
       </p:ext>
     </p:extLst>
   </p:cSld>
@@ -7119,7 +7037,7 @@
           <a:p>
             <a:r>
               <a:rPr lang="es-PY" b="1" dirty="0" smtClean="0"/>
-              <a:t>DIAGRAMA DE INTERACCION</a:t>
+              <a:t>DIAGRAMA DE ESTADOS</a:t>
             </a:r>
             <a:endParaRPr lang="es-PY" b="1" dirty="0"/>
           </a:p>
@@ -7127,7 +7045,7 @@
       </p:sp>
       <p:pic>
         <p:nvPicPr>
-          <p:cNvPr id="4" name="Imagen 3"/>
+          <p:cNvPr id="3" name="Imagen 2"/>
           <p:cNvPicPr>
             <a:picLocks noChangeAspect="1"/>
           </p:cNvPicPr>
@@ -7147,8 +7065,8 @@
         </p:blipFill>
         <p:spPr>
           <a:xfrm>
-            <a:off x="1787180" y="1521711"/>
-            <a:ext cx="8263654" cy="4607389"/>
+            <a:off x="2288750" y="1707618"/>
+            <a:ext cx="7038130" cy="4047621"/>
           </a:xfrm>
           <a:prstGeom prst="rect">
             <a:avLst/>
@@ -7158,7 +7076,7 @@
     </p:spTree>
     <p:extLst>
       <p:ext uri="{BB962C8B-B14F-4D97-AF65-F5344CB8AC3E}">
-        <p14:creationId xmlns:p14="http://schemas.microsoft.com/office/powerpoint/2010/main" val="305250779"/>
+        <p14:creationId xmlns:p14="http://schemas.microsoft.com/office/powerpoint/2010/main" val="3299755159"/>
       </p:ext>
     </p:extLst>
   </p:cSld>
@@ -7209,7 +7127,7 @@
           <a:p>
             <a:r>
               <a:rPr lang="es-PY" b="1" dirty="0" smtClean="0"/>
-              <a:t>DIAGRAMA DE SECUENCIA</a:t>
+              <a:t>DIAGRAMA DE INTERACCION</a:t>
             </a:r>
             <a:endParaRPr lang="es-PY" b="1" dirty="0"/>
           </a:p>
@@ -7217,7 +7135,7 @@
       </p:sp>
       <p:pic>
         <p:nvPicPr>
-          <p:cNvPr id="3" name="Imagen 2"/>
+          <p:cNvPr id="5" name="Imagen 4"/>
           <p:cNvPicPr>
             <a:picLocks noChangeAspect="1"/>
           </p:cNvPicPr>
@@ -7237,8 +7155,8 @@
         </p:blipFill>
         <p:spPr>
           <a:xfrm>
-            <a:off x="1463931" y="1447444"/>
-            <a:ext cx="7769082" cy="4806666"/>
+            <a:off x="1103481" y="1420943"/>
+            <a:ext cx="8053581" cy="4719159"/>
           </a:xfrm>
           <a:prstGeom prst="rect">
             <a:avLst/>
@@ -7248,7 +7166,7 @@
     </p:spTree>
     <p:extLst>
       <p:ext uri="{BB962C8B-B14F-4D97-AF65-F5344CB8AC3E}">
-        <p14:creationId xmlns:p14="http://schemas.microsoft.com/office/powerpoint/2010/main" val="2621678191"/>
+        <p14:creationId xmlns:p14="http://schemas.microsoft.com/office/powerpoint/2010/main" val="305250779"/>
       </p:ext>
     </p:extLst>
   </p:cSld>
@@ -7299,42 +7217,77 @@
           <a:p>
             <a:r>
               <a:rPr lang="es-PY" b="1" dirty="0" smtClean="0"/>
-              <a:t>DIAGRAMA DE PAQUETES</a:t>
+              <a:t>DIAGRAMA DE SECUENCIA</a:t>
             </a:r>
             <a:endParaRPr lang="es-PY" b="1" dirty="0"/>
           </a:p>
         </p:txBody>
       </p:sp>
-      <p:pic>
-        <p:nvPicPr>
-          <p:cNvPr id="4" name="Imagen 3"/>
-          <p:cNvPicPr>
-            <a:picLocks noChangeAspect="1"/>
-          </p:cNvPicPr>
-          <p:nvPr/>
-        </p:nvPicPr>
-        <p:blipFill>
-          <a:blip r:embed="rId2">
-            <a:extLst>
-              <a:ext uri="{28A0092B-C50C-407E-A947-70E740481C1C}">
-                <a14:useLocalDpi xmlns:a14="http://schemas.microsoft.com/office/drawing/2010/main" val="0"/>
-              </a:ext>
-            </a:extLst>
-          </a:blip>
-          <a:stretch>
-            <a:fillRect/>
-          </a:stretch>
-        </p:blipFill>
+    </p:spTree>
+    <p:extLst>
+      <p:ext uri="{BB962C8B-B14F-4D97-AF65-F5344CB8AC3E}">
+        <p14:creationId xmlns:p14="http://schemas.microsoft.com/office/powerpoint/2010/main" val="2621678191"/>
+      </p:ext>
+    </p:extLst>
+  </p:cSld>
+  <p:clrMapOvr>
+    <a:masterClrMapping/>
+  </p:clrMapOvr>
+  <p:timing>
+    <p:tnLst>
+      <p:par>
+        <p:cTn id="1" dur="indefinite" restart="never" nodeType="tmRoot"/>
+      </p:par>
+    </p:tnLst>
+  </p:timing>
+</p:sld>
+</file>
+
+<file path=ppt/slides/slide16.xml><?xml version="1.0" encoding="utf-8"?>
+<p:sld xmlns:a="http://schemas.openxmlformats.org/drawingml/2006/main" xmlns:r="http://schemas.openxmlformats.org/officeDocument/2006/relationships" xmlns:p="http://schemas.openxmlformats.org/presentationml/2006/main">
+  <p:cSld>
+    <p:spTree>
+      <p:nvGrpSpPr>
+        <p:cNvPr id="1" name=""/>
+        <p:cNvGrpSpPr/>
+        <p:nvPr/>
+      </p:nvGrpSpPr>
+      <p:grpSpPr>
+        <a:xfrm>
+          <a:off x="0" y="0"/>
+          <a:ext cx="0" cy="0"/>
+          <a:chOff x="0" y="0"/>
+          <a:chExt cx="0" cy="0"/>
+        </a:xfrm>
+      </p:grpSpPr>
+      <p:sp>
+        <p:nvSpPr>
+          <p:cNvPr id="2" name="Título 1"/>
+          <p:cNvSpPr>
+            <a:spLocks noGrp="1"/>
+          </p:cNvSpPr>
+          <p:nvPr>
+            <p:ph type="title"/>
+          </p:nvPr>
+        </p:nvSpPr>
         <p:spPr>
           <a:xfrm>
-            <a:off x="1526056" y="2286000"/>
-            <a:ext cx="7644831" cy="3766659"/>
+            <a:off x="646109" y="0"/>
+            <a:ext cx="9404723" cy="1400530"/>
           </a:xfrm>
-          <a:prstGeom prst="rect">
-            <a:avLst/>
-          </a:prstGeom>
         </p:spPr>
-      </p:pic>
+        <p:txBody>
+          <a:bodyPr/>
+          <a:lstStyle/>
+          <a:p>
+            <a:r>
+              <a:rPr lang="es-PY" b="1" dirty="0" smtClean="0"/>
+              <a:t>DIAGRAMA DE PAQUETES</a:t>
+            </a:r>
+            <a:endParaRPr lang="es-PY" b="1" dirty="0"/>
+          </a:p>
+        </p:txBody>
+      </p:sp>
     </p:spTree>
     <p:extLst>
       <p:ext uri="{BB962C8B-B14F-4D97-AF65-F5344CB8AC3E}">
@@ -7355,7 +7308,106 @@
 </p:sld>
 </file>
 
-<file path=ppt/slides/slide16.xml><?xml version="1.0" encoding="utf-8"?>
+<file path=ppt/slides/slide17.xml><?xml version="1.0" encoding="utf-8"?>
+<p:sld xmlns:a="http://schemas.openxmlformats.org/drawingml/2006/main" xmlns:r="http://schemas.openxmlformats.org/officeDocument/2006/relationships" xmlns:p="http://schemas.openxmlformats.org/presentationml/2006/main">
+  <p:cSld>
+    <p:spTree>
+      <p:nvGrpSpPr>
+        <p:cNvPr id="1" name=""/>
+        <p:cNvGrpSpPr/>
+        <p:nvPr/>
+      </p:nvGrpSpPr>
+      <p:grpSpPr>
+        <a:xfrm>
+          <a:off x="0" y="0"/>
+          <a:ext cx="0" cy="0"/>
+          <a:chOff x="0" y="0"/>
+          <a:chExt cx="0" cy="0"/>
+        </a:xfrm>
+      </p:grpSpPr>
+      <p:sp>
+        <p:nvSpPr>
+          <p:cNvPr id="2" name="Título 1"/>
+          <p:cNvSpPr>
+            <a:spLocks noGrp="1"/>
+          </p:cNvSpPr>
+          <p:nvPr>
+            <p:ph type="title"/>
+          </p:nvPr>
+        </p:nvSpPr>
+        <p:spPr>
+          <a:xfrm>
+            <a:off x="646109" y="0"/>
+            <a:ext cx="9404723" cy="1400530"/>
+          </a:xfrm>
+        </p:spPr>
+        <p:txBody>
+          <a:bodyPr/>
+          <a:lstStyle/>
+          <a:p>
+            <a:r>
+              <a:rPr lang="es-PY" b="1" dirty="0" smtClean="0"/>
+              <a:t>DIAGRAMA DE </a:t>
+            </a:r>
+            <a:r>
+              <a:rPr lang="es-PY" b="1" dirty="0" smtClean="0"/>
+              <a:t>OBJETOS</a:t>
+            </a:r>
+            <a:endParaRPr lang="es-PY" b="1" dirty="0"/>
+          </a:p>
+        </p:txBody>
+      </p:sp>
+      <p:pic>
+        <p:nvPicPr>
+          <p:cNvPr id="3" name="Imagen 2"/>
+          <p:cNvPicPr>
+            <a:picLocks noChangeAspect="1"/>
+          </p:cNvPicPr>
+          <p:nvPr/>
+        </p:nvPicPr>
+        <p:blipFill>
+          <a:blip r:embed="rId2">
+            <a:extLst>
+              <a:ext uri="{28A0092B-C50C-407E-A947-70E740481C1C}">
+                <a14:useLocalDpi xmlns:a14="http://schemas.microsoft.com/office/drawing/2010/main" val="0"/>
+              </a:ext>
+            </a:extLst>
+          </a:blip>
+          <a:stretch>
+            <a:fillRect/>
+          </a:stretch>
+        </p:blipFill>
+        <p:spPr>
+          <a:xfrm>
+            <a:off x="646108" y="813349"/>
+            <a:ext cx="10326691" cy="5822581"/>
+          </a:xfrm>
+          <a:prstGeom prst="rect">
+            <a:avLst/>
+          </a:prstGeom>
+        </p:spPr>
+      </p:pic>
+    </p:spTree>
+    <p:extLst>
+      <p:ext uri="{BB962C8B-B14F-4D97-AF65-F5344CB8AC3E}">
+        <p14:creationId xmlns:p14="http://schemas.microsoft.com/office/powerpoint/2010/main" val="2860980866"/>
+      </p:ext>
+    </p:extLst>
+  </p:cSld>
+  <p:clrMapOvr>
+    <a:masterClrMapping/>
+  </p:clrMapOvr>
+  <p:timing>
+    <p:tnLst>
+      <p:par>
+        <p:cTn id="1" dur="indefinite" restart="never" nodeType="tmRoot"/>
+      </p:par>
+    </p:tnLst>
+  </p:timing>
+</p:sld>
+</file>
+
+<file path=ppt/slides/slide18.xml><?xml version="1.0" encoding="utf-8"?>
 <p:sld xmlns:a="http://schemas.openxmlformats.org/drawingml/2006/main" xmlns:r="http://schemas.openxmlformats.org/officeDocument/2006/relationships" xmlns:p="http://schemas.openxmlformats.org/presentationml/2006/main">
   <p:cSld>
     <p:spTree>
@@ -7445,225 +7497,6 @@
 </p:sld>
 </file>
 
-<file path=ppt/slides/slide17.xml><?xml version="1.0" encoding="utf-8"?>
-<p:sld xmlns:a="http://schemas.openxmlformats.org/drawingml/2006/main" xmlns:r="http://schemas.openxmlformats.org/officeDocument/2006/relationships" xmlns:p="http://schemas.openxmlformats.org/presentationml/2006/main">
-  <p:cSld>
-    <p:spTree>
-      <p:nvGrpSpPr>
-        <p:cNvPr id="1" name=""/>
-        <p:cNvGrpSpPr/>
-        <p:nvPr/>
-      </p:nvGrpSpPr>
-      <p:grpSpPr>
-        <a:xfrm>
-          <a:off x="0" y="0"/>
-          <a:ext cx="0" cy="0"/>
-          <a:chOff x="0" y="0"/>
-          <a:chExt cx="0" cy="0"/>
-        </a:xfrm>
-      </p:grpSpPr>
-      <p:sp>
-        <p:nvSpPr>
-          <p:cNvPr id="4" name="Título 1"/>
-          <p:cNvSpPr txBox="1">
-            <a:spLocks/>
-          </p:cNvSpPr>
-          <p:nvPr/>
-        </p:nvSpPr>
-        <p:spPr>
-          <a:xfrm>
-            <a:off x="1789612" y="2638698"/>
-            <a:ext cx="9013371" cy="1436914"/>
-          </a:xfrm>
-          <a:prstGeom prst="rect">
-            <a:avLst/>
-          </a:prstGeom>
-        </p:spPr>
-        <p:txBody>
-          <a:bodyPr vert="horz" lIns="91440" tIns="45720" rIns="91440" bIns="45720" rtlCol="0" anchor="t">
-            <a:noAutofit/>
-          </a:bodyPr>
-          <a:lstStyle>
-            <a:lvl1pPr algn="l" defTabSz="457200" rtl="0" eaLnBrk="1" latinLnBrk="0" hangingPunct="1">
-              <a:spcBef>
-                <a:spcPct val="0"/>
-              </a:spcBef>
-              <a:buNone/>
-              <a:defRPr sz="4200" b="0" i="0" kern="1200">
-                <a:solidFill>
-                  <a:schemeClr val="tx2"/>
-                </a:solidFill>
-                <a:latin typeface="+mj-lt"/>
-                <a:ea typeface="+mj-ea"/>
-                <a:cs typeface="+mj-cs"/>
-              </a:defRPr>
-            </a:lvl1pPr>
-            <a:lvl2pPr eaLnBrk="1" hangingPunct="1">
-              <a:defRPr>
-                <a:solidFill>
-                  <a:schemeClr val="tx2"/>
-                </a:solidFill>
-              </a:defRPr>
-            </a:lvl2pPr>
-            <a:lvl3pPr eaLnBrk="1" hangingPunct="1">
-              <a:defRPr>
-                <a:solidFill>
-                  <a:schemeClr val="tx2"/>
-                </a:solidFill>
-              </a:defRPr>
-            </a:lvl3pPr>
-            <a:lvl4pPr eaLnBrk="1" hangingPunct="1">
-              <a:defRPr>
-                <a:solidFill>
-                  <a:schemeClr val="tx2"/>
-                </a:solidFill>
-              </a:defRPr>
-            </a:lvl4pPr>
-            <a:lvl5pPr eaLnBrk="1" hangingPunct="1">
-              <a:defRPr>
-                <a:solidFill>
-                  <a:schemeClr val="tx2"/>
-                </a:solidFill>
-              </a:defRPr>
-            </a:lvl5pPr>
-            <a:lvl6pPr eaLnBrk="1" hangingPunct="1">
-              <a:defRPr>
-                <a:solidFill>
-                  <a:schemeClr val="tx2"/>
-                </a:solidFill>
-              </a:defRPr>
-            </a:lvl6pPr>
-            <a:lvl7pPr eaLnBrk="1" hangingPunct="1">
-              <a:defRPr>
-                <a:solidFill>
-                  <a:schemeClr val="tx2"/>
-                </a:solidFill>
-              </a:defRPr>
-            </a:lvl7pPr>
-            <a:lvl8pPr eaLnBrk="1" hangingPunct="1">
-              <a:defRPr>
-                <a:solidFill>
-                  <a:schemeClr val="tx2"/>
-                </a:solidFill>
-              </a:defRPr>
-            </a:lvl8pPr>
-            <a:lvl9pPr eaLnBrk="1" hangingPunct="1">
-              <a:defRPr>
-                <a:solidFill>
-                  <a:schemeClr val="tx2"/>
-                </a:solidFill>
-              </a:defRPr>
-            </a:lvl9pPr>
-          </a:lstStyle>
-          <a:p>
-            <a:r>
-              <a:rPr lang="es-ES" sz="7200" b="1" dirty="0"/>
-              <a:t>ANÁLISIS DE RIESGO</a:t>
-            </a:r>
-            <a:endParaRPr lang="es-PY" sz="7200" b="1" dirty="0"/>
-          </a:p>
-          <a:p>
-            <a:endParaRPr lang="es-PY" sz="7200" b="1" dirty="0"/>
-          </a:p>
-        </p:txBody>
-      </p:sp>
-    </p:spTree>
-    <p:extLst>
-      <p:ext uri="{BB962C8B-B14F-4D97-AF65-F5344CB8AC3E}">
-        <p14:creationId xmlns:p14="http://schemas.microsoft.com/office/powerpoint/2010/main" val="126549745"/>
-      </p:ext>
-    </p:extLst>
-  </p:cSld>
-  <p:clrMapOvr>
-    <a:masterClrMapping/>
-  </p:clrMapOvr>
-  <p:timing>
-    <p:tnLst>
-      <p:par>
-        <p:cTn id="1" dur="indefinite" restart="never" nodeType="tmRoot"/>
-      </p:par>
-    </p:tnLst>
-  </p:timing>
-</p:sld>
-</file>
-
-<file path=ppt/slides/slide18.xml><?xml version="1.0" encoding="utf-8"?>
-<p:sld xmlns:a="http://schemas.openxmlformats.org/drawingml/2006/main" xmlns:r="http://schemas.openxmlformats.org/officeDocument/2006/relationships" xmlns:p="http://schemas.openxmlformats.org/presentationml/2006/main">
-  <p:cSld>
-    <p:spTree>
-      <p:nvGrpSpPr>
-        <p:cNvPr id="1" name=""/>
-        <p:cNvGrpSpPr/>
-        <p:nvPr/>
-      </p:nvGrpSpPr>
-      <p:grpSpPr>
-        <a:xfrm>
-          <a:off x="0" y="0"/>
-          <a:ext cx="0" cy="0"/>
-          <a:chOff x="0" y="0"/>
-          <a:chExt cx="0" cy="0"/>
-        </a:xfrm>
-      </p:grpSpPr>
-      <p:sp>
-        <p:nvSpPr>
-          <p:cNvPr id="3" name="Marcador de contenido 2"/>
-          <p:cNvSpPr>
-            <a:spLocks noGrp="1"/>
-          </p:cNvSpPr>
-          <p:nvPr>
-            <p:ph idx="1"/>
-          </p:nvPr>
-        </p:nvSpPr>
-        <p:spPr>
-          <a:xfrm>
-            <a:off x="1142501" y="1256084"/>
-            <a:ext cx="8946541" cy="4195481"/>
-          </a:xfrm>
-        </p:spPr>
-        <p:txBody>
-          <a:bodyPr/>
-          <a:lstStyle/>
-          <a:p>
-            <a:r>
-              <a:rPr lang="es-PY" dirty="0"/>
-              <a:t>Un riesgo es una variable del proyecto que pone en peligro o impide el éxito del mismo. Es la “probabilidad  de que un proyecto experimente sucesos no deseables, como retrasos en las fechas, excesos de costes, o la cancelación directa</a:t>
-            </a:r>
-            <a:r>
-              <a:rPr lang="es-PY" dirty="0" smtClean="0"/>
-              <a:t>”</a:t>
-            </a:r>
-          </a:p>
-          <a:p>
-            <a:r>
-              <a:rPr lang="es-PY" dirty="0"/>
-              <a:t>El objetivo del presente plan es asegurar que el proyecto se concrete dentro de los plazos previstos y observando todos los requerimientos fijados por los futuros usuarios. Permitiendo, al mismo tiempo, la detección oportuna de los problemas técnicos que se puedan presentar y la ejecución de un adecuado control y gestión de los cambios que se vayan presentando durante el desarrollo.</a:t>
-            </a:r>
-          </a:p>
-          <a:p>
-            <a:endParaRPr lang="es-PY" dirty="0"/>
-          </a:p>
-        </p:txBody>
-      </p:sp>
-    </p:spTree>
-    <p:extLst>
-      <p:ext uri="{BB962C8B-B14F-4D97-AF65-F5344CB8AC3E}">
-        <p14:creationId xmlns:p14="http://schemas.microsoft.com/office/powerpoint/2010/main" val="3638085557"/>
-      </p:ext>
-    </p:extLst>
-  </p:cSld>
-  <p:clrMapOvr>
-    <a:masterClrMapping/>
-  </p:clrMapOvr>
-  <p:timing>
-    <p:tnLst>
-      <p:par>
-        <p:cTn id="1" dur="indefinite" restart="never" nodeType="tmRoot"/>
-      </p:par>
-    </p:tnLst>
-  </p:timing>
-</p:sld>
-</file>
-
 <file path=ppt/slides/slide19.xml><?xml version="1.0" encoding="utf-8"?>
 <p:sld xmlns:a="http://schemas.openxmlformats.org/drawingml/2006/main" xmlns:r="http://schemas.openxmlformats.org/officeDocument/2006/relationships" xmlns:p="http://schemas.openxmlformats.org/presentationml/2006/main">
   <p:cSld>
@@ -7691,8 +7524,8 @@
         </p:nvSpPr>
         <p:spPr>
           <a:xfrm>
-            <a:off x="209007" y="1685107"/>
-            <a:ext cx="10920548" cy="3422469"/>
+            <a:off x="1789612" y="2638698"/>
+            <a:ext cx="9013371" cy="1436914"/>
           </a:xfrm>
           <a:prstGeom prst="rect">
             <a:avLst/>
@@ -7775,48 +7608,21 @@
             </a:lvl9pPr>
           </a:lstStyle>
           <a:p>
-            <a:pPr algn="ctr"/>
-            <a:r>
-              <a:rPr lang="es-PY" sz="6000" b="1" dirty="0"/>
-              <a:t>PLAN</a:t>
-            </a:r>
-            <a:r>
-              <a:rPr lang="es-ES" sz="6000" b="1" dirty="0"/>
-              <a:t/>
-            </a:r>
-            <a:br>
-              <a:rPr lang="es-ES" sz="6000" b="1" dirty="0"/>
-            </a:br>
-            <a:r>
-              <a:rPr lang="es-PY" sz="6000" b="1" dirty="0"/>
-              <a:t>DE</a:t>
-            </a:r>
-            <a:r>
-              <a:rPr lang="es-ES" sz="6000" b="1" dirty="0"/>
-              <a:t/>
-            </a:r>
-            <a:br>
-              <a:rPr lang="es-ES" sz="6000" b="1" dirty="0"/>
-            </a:br>
-            <a:r>
-              <a:rPr lang="es-PY" sz="6000" b="1" dirty="0"/>
-              <a:t>CONFIGURACION</a:t>
-            </a:r>
-            <a:r>
-              <a:rPr lang="es-ES" sz="11500" b="1" dirty="0"/>
-              <a:t/>
-            </a:r>
-            <a:br>
-              <a:rPr lang="es-ES" sz="11500" b="1" dirty="0"/>
-            </a:br>
-            <a:endParaRPr lang="es-PY" sz="11500" b="1" dirty="0"/>
+            <a:r>
+              <a:rPr lang="es-ES" sz="7200" b="1" dirty="0"/>
+              <a:t>ANÁLISIS DE RIESGO</a:t>
+            </a:r>
+            <a:endParaRPr lang="es-PY" sz="7200" b="1" dirty="0"/>
+          </a:p>
+          <a:p>
+            <a:endParaRPr lang="es-PY" sz="7200" b="1" dirty="0"/>
           </a:p>
         </p:txBody>
       </p:sp>
     </p:spTree>
     <p:extLst>
       <p:ext uri="{BB962C8B-B14F-4D97-AF65-F5344CB8AC3E}">
-        <p14:creationId xmlns:p14="http://schemas.microsoft.com/office/powerpoint/2010/main" val="3527988828"/>
+        <p14:creationId xmlns:p14="http://schemas.microsoft.com/office/powerpoint/2010/main" val="126549745"/>
       </p:ext>
     </p:extLst>
   </p:cSld>
@@ -8009,6 +7815,252 @@
           <a:bodyPr/>
           <a:lstStyle/>
           <a:p>
+            <a:r>
+              <a:rPr lang="es-PY" dirty="0"/>
+              <a:t>Un riesgo es una variable del proyecto que pone en peligro o impide el éxito del mismo. Es la “probabilidad  de que un proyecto experimente sucesos no deseables, como retrasos en las fechas, excesos de costes, o la cancelación directa</a:t>
+            </a:r>
+            <a:r>
+              <a:rPr lang="es-PY" dirty="0" smtClean="0"/>
+              <a:t>”</a:t>
+            </a:r>
+          </a:p>
+          <a:p>
+            <a:r>
+              <a:rPr lang="es-PY" dirty="0"/>
+              <a:t>El objetivo del presente plan es asegurar que el proyecto se concrete dentro de los plazos previstos y observando todos los requerimientos fijados por los futuros usuarios. Permitiendo, al mismo tiempo, la detección oportuna de los problemas técnicos que se puedan presentar y la ejecución de un adecuado control y gestión de los cambios que se vayan presentando durante el desarrollo.</a:t>
+            </a:r>
+          </a:p>
+          <a:p>
+            <a:endParaRPr lang="es-PY" dirty="0"/>
+          </a:p>
+        </p:txBody>
+      </p:sp>
+    </p:spTree>
+    <p:extLst>
+      <p:ext uri="{BB962C8B-B14F-4D97-AF65-F5344CB8AC3E}">
+        <p14:creationId xmlns:p14="http://schemas.microsoft.com/office/powerpoint/2010/main" val="3638085557"/>
+      </p:ext>
+    </p:extLst>
+  </p:cSld>
+  <p:clrMapOvr>
+    <a:masterClrMapping/>
+  </p:clrMapOvr>
+  <p:timing>
+    <p:tnLst>
+      <p:par>
+        <p:cTn id="1" dur="indefinite" restart="never" nodeType="tmRoot"/>
+      </p:par>
+    </p:tnLst>
+  </p:timing>
+</p:sld>
+</file>
+
+<file path=ppt/slides/slide21.xml><?xml version="1.0" encoding="utf-8"?>
+<p:sld xmlns:a="http://schemas.openxmlformats.org/drawingml/2006/main" xmlns:r="http://schemas.openxmlformats.org/officeDocument/2006/relationships" xmlns:p="http://schemas.openxmlformats.org/presentationml/2006/main">
+  <p:cSld>
+    <p:spTree>
+      <p:nvGrpSpPr>
+        <p:cNvPr id="1" name=""/>
+        <p:cNvGrpSpPr/>
+        <p:nvPr/>
+      </p:nvGrpSpPr>
+      <p:grpSpPr>
+        <a:xfrm>
+          <a:off x="0" y="0"/>
+          <a:ext cx="0" cy="0"/>
+          <a:chOff x="0" y="0"/>
+          <a:chExt cx="0" cy="0"/>
+        </a:xfrm>
+      </p:grpSpPr>
+      <p:sp>
+        <p:nvSpPr>
+          <p:cNvPr id="4" name="Título 1"/>
+          <p:cNvSpPr txBox="1">
+            <a:spLocks/>
+          </p:cNvSpPr>
+          <p:nvPr/>
+        </p:nvSpPr>
+        <p:spPr>
+          <a:xfrm>
+            <a:off x="209007" y="1685107"/>
+            <a:ext cx="10920548" cy="3422469"/>
+          </a:xfrm>
+          <a:prstGeom prst="rect">
+            <a:avLst/>
+          </a:prstGeom>
+        </p:spPr>
+        <p:txBody>
+          <a:bodyPr vert="horz" lIns="91440" tIns="45720" rIns="91440" bIns="45720" rtlCol="0" anchor="t">
+            <a:noAutofit/>
+          </a:bodyPr>
+          <a:lstStyle>
+            <a:lvl1pPr algn="l" defTabSz="457200" rtl="0" eaLnBrk="1" latinLnBrk="0" hangingPunct="1">
+              <a:spcBef>
+                <a:spcPct val="0"/>
+              </a:spcBef>
+              <a:buNone/>
+              <a:defRPr sz="4200" b="0" i="0" kern="1200">
+                <a:solidFill>
+                  <a:schemeClr val="tx2"/>
+                </a:solidFill>
+                <a:latin typeface="+mj-lt"/>
+                <a:ea typeface="+mj-ea"/>
+                <a:cs typeface="+mj-cs"/>
+              </a:defRPr>
+            </a:lvl1pPr>
+            <a:lvl2pPr eaLnBrk="1" hangingPunct="1">
+              <a:defRPr>
+                <a:solidFill>
+                  <a:schemeClr val="tx2"/>
+                </a:solidFill>
+              </a:defRPr>
+            </a:lvl2pPr>
+            <a:lvl3pPr eaLnBrk="1" hangingPunct="1">
+              <a:defRPr>
+                <a:solidFill>
+                  <a:schemeClr val="tx2"/>
+                </a:solidFill>
+              </a:defRPr>
+            </a:lvl3pPr>
+            <a:lvl4pPr eaLnBrk="1" hangingPunct="1">
+              <a:defRPr>
+                <a:solidFill>
+                  <a:schemeClr val="tx2"/>
+                </a:solidFill>
+              </a:defRPr>
+            </a:lvl4pPr>
+            <a:lvl5pPr eaLnBrk="1" hangingPunct="1">
+              <a:defRPr>
+                <a:solidFill>
+                  <a:schemeClr val="tx2"/>
+                </a:solidFill>
+              </a:defRPr>
+            </a:lvl5pPr>
+            <a:lvl6pPr eaLnBrk="1" hangingPunct="1">
+              <a:defRPr>
+                <a:solidFill>
+                  <a:schemeClr val="tx2"/>
+                </a:solidFill>
+              </a:defRPr>
+            </a:lvl6pPr>
+            <a:lvl7pPr eaLnBrk="1" hangingPunct="1">
+              <a:defRPr>
+                <a:solidFill>
+                  <a:schemeClr val="tx2"/>
+                </a:solidFill>
+              </a:defRPr>
+            </a:lvl7pPr>
+            <a:lvl8pPr eaLnBrk="1" hangingPunct="1">
+              <a:defRPr>
+                <a:solidFill>
+                  <a:schemeClr val="tx2"/>
+                </a:solidFill>
+              </a:defRPr>
+            </a:lvl8pPr>
+            <a:lvl9pPr eaLnBrk="1" hangingPunct="1">
+              <a:defRPr>
+                <a:solidFill>
+                  <a:schemeClr val="tx2"/>
+                </a:solidFill>
+              </a:defRPr>
+            </a:lvl9pPr>
+          </a:lstStyle>
+          <a:p>
+            <a:pPr algn="ctr"/>
+            <a:r>
+              <a:rPr lang="es-PY" sz="6000" b="1" dirty="0"/>
+              <a:t>PLAN</a:t>
+            </a:r>
+            <a:r>
+              <a:rPr lang="es-ES" sz="6000" b="1" dirty="0"/>
+              <a:t/>
+            </a:r>
+            <a:br>
+              <a:rPr lang="es-ES" sz="6000" b="1" dirty="0"/>
+            </a:br>
+            <a:r>
+              <a:rPr lang="es-PY" sz="6000" b="1" dirty="0"/>
+              <a:t>DE</a:t>
+            </a:r>
+            <a:r>
+              <a:rPr lang="es-ES" sz="6000" b="1" dirty="0"/>
+              <a:t/>
+            </a:r>
+            <a:br>
+              <a:rPr lang="es-ES" sz="6000" b="1" dirty="0"/>
+            </a:br>
+            <a:r>
+              <a:rPr lang="es-PY" sz="6000" b="1" dirty="0"/>
+              <a:t>CONFIGURACION</a:t>
+            </a:r>
+            <a:r>
+              <a:rPr lang="es-ES" sz="11500" b="1" dirty="0"/>
+              <a:t/>
+            </a:r>
+            <a:br>
+              <a:rPr lang="es-ES" sz="11500" b="1" dirty="0"/>
+            </a:br>
+            <a:endParaRPr lang="es-PY" sz="11500" b="1" dirty="0"/>
+          </a:p>
+        </p:txBody>
+      </p:sp>
+    </p:spTree>
+    <p:extLst>
+      <p:ext uri="{BB962C8B-B14F-4D97-AF65-F5344CB8AC3E}">
+        <p14:creationId xmlns:p14="http://schemas.microsoft.com/office/powerpoint/2010/main" val="3527988828"/>
+      </p:ext>
+    </p:extLst>
+  </p:cSld>
+  <p:clrMapOvr>
+    <a:masterClrMapping/>
+  </p:clrMapOvr>
+  <p:timing>
+    <p:tnLst>
+      <p:par>
+        <p:cTn id="1" dur="indefinite" restart="never" nodeType="tmRoot"/>
+      </p:par>
+    </p:tnLst>
+  </p:timing>
+</p:sld>
+</file>
+
+<file path=ppt/slides/slide22.xml><?xml version="1.0" encoding="utf-8"?>
+<p:sld xmlns:a="http://schemas.openxmlformats.org/drawingml/2006/main" xmlns:r="http://schemas.openxmlformats.org/officeDocument/2006/relationships" xmlns:p="http://schemas.openxmlformats.org/presentationml/2006/main">
+  <p:cSld>
+    <p:spTree>
+      <p:nvGrpSpPr>
+        <p:cNvPr id="1" name=""/>
+        <p:cNvGrpSpPr/>
+        <p:nvPr/>
+      </p:nvGrpSpPr>
+      <p:grpSpPr>
+        <a:xfrm>
+          <a:off x="0" y="0"/>
+          <a:ext cx="0" cy="0"/>
+          <a:chOff x="0" y="0"/>
+          <a:chExt cx="0" cy="0"/>
+        </a:xfrm>
+      </p:grpSpPr>
+      <p:sp>
+        <p:nvSpPr>
+          <p:cNvPr id="3" name="Marcador de contenido 2"/>
+          <p:cNvSpPr>
+            <a:spLocks noGrp="1"/>
+          </p:cNvSpPr>
+          <p:nvPr>
+            <p:ph idx="1"/>
+          </p:nvPr>
+        </p:nvSpPr>
+        <p:spPr>
+          <a:xfrm>
+            <a:off x="1142501" y="1256084"/>
+            <a:ext cx="8946541" cy="4195481"/>
+          </a:xfrm>
+        </p:spPr>
+        <p:txBody>
+          <a:bodyPr/>
+          <a:lstStyle/>
+          <a:p>
             <a:pPr marL="457200" lvl="1" indent="0">
               <a:buNone/>
             </a:pPr>
@@ -9134,15 +9186,41 @@
           <a:chExt cx="0" cy="0"/>
         </a:xfrm>
       </p:grpSpPr>
+      <p:sp>
+        <p:nvSpPr>
+          <p:cNvPr id="5" name="Título 1"/>
+          <p:cNvSpPr>
+            <a:spLocks noGrp="1"/>
+          </p:cNvSpPr>
+          <p:nvPr>
+            <p:ph type="title"/>
+          </p:nvPr>
+        </p:nvSpPr>
+        <p:spPr>
+          <a:xfrm>
+            <a:off x="1040255" y="60832"/>
+            <a:ext cx="7868614" cy="997259"/>
+          </a:xfrm>
+        </p:spPr>
+        <p:txBody>
+          <a:bodyPr/>
+          <a:lstStyle/>
+          <a:p>
+            <a:r>
+              <a:rPr lang="es-PY" b="1" dirty="0" smtClean="0"/>
+              <a:t>MODELO DE CASO DE USO</a:t>
+            </a:r>
+            <a:endParaRPr lang="es-PY" b="1" dirty="0"/>
+          </a:p>
+        </p:txBody>
+      </p:sp>
       <p:pic>
         <p:nvPicPr>
-          <p:cNvPr id="4" name="Marcador de contenido 3"/>
+          <p:cNvPr id="6" name="Marcador de contenido 3"/>
           <p:cNvPicPr>
-            <a:picLocks noGrp="1" noChangeAspect="1"/>
+            <a:picLocks noChangeAspect="1"/>
           </p:cNvPicPr>
-          <p:nvPr>
-            <p:ph idx="1"/>
-          </p:nvPr>
+          <p:nvPr/>
         </p:nvPicPr>
         <p:blipFill>
           <a:blip r:embed="rId2">
@@ -9158,18 +9236,47 @@
         </p:blipFill>
         <p:spPr>
           <a:xfrm>
-            <a:off x="2752357" y="152354"/>
-            <a:ext cx="6587586" cy="6561954"/>
+            <a:off x="6751959" y="2427063"/>
+            <a:ext cx="4313819" cy="2643953"/>
           </a:xfrm>
           <a:prstGeom prst="rect">
             <a:avLst/>
           </a:prstGeom>
         </p:spPr>
       </p:pic>
+      <p:pic>
+        <p:nvPicPr>
+          <p:cNvPr id="8" name="Marcador de contenido 7"/>
+          <p:cNvPicPr>
+            <a:picLocks noGrp="1" noChangeAspect="1"/>
+          </p:cNvPicPr>
+          <p:nvPr>
+            <p:ph idx="1"/>
+          </p:nvPr>
+        </p:nvPicPr>
+        <p:blipFill>
+          <a:blip r:embed="rId3">
+            <a:extLst>
+              <a:ext uri="{28A0092B-C50C-407E-A947-70E740481C1C}">
+                <a14:useLocalDpi xmlns:a14="http://schemas.microsoft.com/office/drawing/2010/main" val="0"/>
+              </a:ext>
+            </a:extLst>
+          </a:blip>
+          <a:stretch>
+            <a:fillRect/>
+          </a:stretch>
+        </p:blipFill>
+        <p:spPr>
+          <a:xfrm>
+            <a:off x="575868" y="824074"/>
+            <a:ext cx="5550612" cy="5615915"/>
+          </a:xfrm>
+        </p:spPr>
+      </p:pic>
     </p:spTree>
     <p:extLst>
       <p:ext uri="{BB962C8B-B14F-4D97-AF65-F5344CB8AC3E}">
-        <p14:creationId xmlns:p14="http://schemas.microsoft.com/office/powerpoint/2010/main" val="3727538051"/>
+        <p14:creationId xmlns:p14="http://schemas.microsoft.com/office/powerpoint/2010/main" val="1586590032"/>
       </p:ext>
     </p:extLst>
   </p:cSld>
